--- a/documentations/Dotnet vs dotnet core.pptx
+++ b/documentations/Dotnet vs dotnet core.pptx
@@ -270,7 +270,7 @@
           <a:p>
             <a:fld id="{69D368ED-5D89-455D-BBC2-27B161925E43}" type="datetimeFigureOut">
               <a:rPr lang="fr-FR" smtClean="0"/>
-              <a:t>07/11/2020</a:t>
+              <a:t>08/11/2020</a:t>
             </a:fld>
             <a:endParaRPr lang="fr-FR"/>
           </a:p>
@@ -468,7 +468,7 @@
           <a:p>
             <a:fld id="{69D368ED-5D89-455D-BBC2-27B161925E43}" type="datetimeFigureOut">
               <a:rPr lang="fr-FR" smtClean="0"/>
-              <a:t>07/11/2020</a:t>
+              <a:t>08/11/2020</a:t>
             </a:fld>
             <a:endParaRPr lang="fr-FR"/>
           </a:p>
@@ -676,7 +676,7 @@
           <a:p>
             <a:fld id="{69D368ED-5D89-455D-BBC2-27B161925E43}" type="datetimeFigureOut">
               <a:rPr lang="fr-FR" smtClean="0"/>
-              <a:t>07/11/2020</a:t>
+              <a:t>08/11/2020</a:t>
             </a:fld>
             <a:endParaRPr lang="fr-FR"/>
           </a:p>
@@ -874,7 +874,7 @@
           <a:p>
             <a:fld id="{69D368ED-5D89-455D-BBC2-27B161925E43}" type="datetimeFigureOut">
               <a:rPr lang="fr-FR" smtClean="0"/>
-              <a:t>07/11/2020</a:t>
+              <a:t>08/11/2020</a:t>
             </a:fld>
             <a:endParaRPr lang="fr-FR"/>
           </a:p>
@@ -1149,7 +1149,7 @@
           <a:p>
             <a:fld id="{69D368ED-5D89-455D-BBC2-27B161925E43}" type="datetimeFigureOut">
               <a:rPr lang="fr-FR" smtClean="0"/>
-              <a:t>07/11/2020</a:t>
+              <a:t>08/11/2020</a:t>
             </a:fld>
             <a:endParaRPr lang="fr-FR"/>
           </a:p>
@@ -1414,7 +1414,7 @@
           <a:p>
             <a:fld id="{69D368ED-5D89-455D-BBC2-27B161925E43}" type="datetimeFigureOut">
               <a:rPr lang="fr-FR" smtClean="0"/>
-              <a:t>07/11/2020</a:t>
+              <a:t>08/11/2020</a:t>
             </a:fld>
             <a:endParaRPr lang="fr-FR"/>
           </a:p>
@@ -1826,7 +1826,7 @@
           <a:p>
             <a:fld id="{69D368ED-5D89-455D-BBC2-27B161925E43}" type="datetimeFigureOut">
               <a:rPr lang="fr-FR" smtClean="0"/>
-              <a:t>07/11/2020</a:t>
+              <a:t>08/11/2020</a:t>
             </a:fld>
             <a:endParaRPr lang="fr-FR"/>
           </a:p>
@@ -1967,7 +1967,7 @@
           <a:p>
             <a:fld id="{69D368ED-5D89-455D-BBC2-27B161925E43}" type="datetimeFigureOut">
               <a:rPr lang="fr-FR" smtClean="0"/>
-              <a:t>07/11/2020</a:t>
+              <a:t>08/11/2020</a:t>
             </a:fld>
             <a:endParaRPr lang="fr-FR"/>
           </a:p>
@@ -2080,7 +2080,7 @@
           <a:p>
             <a:fld id="{69D368ED-5D89-455D-BBC2-27B161925E43}" type="datetimeFigureOut">
               <a:rPr lang="fr-FR" smtClean="0"/>
-              <a:t>07/11/2020</a:t>
+              <a:t>08/11/2020</a:t>
             </a:fld>
             <a:endParaRPr lang="fr-FR"/>
           </a:p>
@@ -2391,7 +2391,7 @@
           <a:p>
             <a:fld id="{69D368ED-5D89-455D-BBC2-27B161925E43}" type="datetimeFigureOut">
               <a:rPr lang="fr-FR" smtClean="0"/>
-              <a:t>07/11/2020</a:t>
+              <a:t>08/11/2020</a:t>
             </a:fld>
             <a:endParaRPr lang="fr-FR"/>
           </a:p>
@@ -2679,7 +2679,7 @@
           <a:p>
             <a:fld id="{69D368ED-5D89-455D-BBC2-27B161925E43}" type="datetimeFigureOut">
               <a:rPr lang="fr-FR" smtClean="0"/>
-              <a:t>07/11/2020</a:t>
+              <a:t>08/11/2020</a:t>
             </a:fld>
             <a:endParaRPr lang="fr-FR"/>
           </a:p>
@@ -2920,7 +2920,7 @@
           <a:p>
             <a:fld id="{69D368ED-5D89-455D-BBC2-27B161925E43}" type="datetimeFigureOut">
               <a:rPr lang="fr-FR" smtClean="0"/>
-              <a:t>07/11/2020</a:t>
+              <a:t>08/11/2020</a:t>
             </a:fld>
             <a:endParaRPr lang="fr-FR"/>
           </a:p>
@@ -10089,7 +10089,7 @@
         </p:nvSpPr>
         <p:spPr>
           <a:xfrm>
-            <a:off x="3552738" y="2077876"/>
+            <a:off x="3552738" y="1926874"/>
             <a:ext cx="4918744" cy="1979412"/>
           </a:xfrm>
           <a:prstGeom prst="rightArrow">
@@ -10154,7 +10154,7 @@
         </p:blipFill>
         <p:spPr bwMode="auto">
           <a:xfrm>
-            <a:off x="4961110" y="2065799"/>
+            <a:off x="4961110" y="1914797"/>
             <a:ext cx="402263" cy="425916"/>
           </a:xfrm>
           <a:prstGeom prst="rect">
@@ -10201,7 +10201,7 @@
         </p:blipFill>
         <p:spPr bwMode="auto">
           <a:xfrm>
-            <a:off x="4492550" y="2068410"/>
+            <a:off x="4492550" y="1917408"/>
             <a:ext cx="364395" cy="425916"/>
           </a:xfrm>
           <a:prstGeom prst="rect">
@@ -10248,7 +10248,7 @@
         </p:blipFill>
         <p:spPr bwMode="auto">
           <a:xfrm>
-            <a:off x="5358710" y="2076785"/>
+            <a:off x="5358710" y="1925783"/>
             <a:ext cx="534622" cy="356415"/>
           </a:xfrm>
           <a:prstGeom prst="rect">
@@ -10293,7 +10293,7 @@
         </p:blipFill>
         <p:spPr bwMode="auto">
           <a:xfrm>
-            <a:off x="5922159" y="2135824"/>
+            <a:off x="5922159" y="1984822"/>
             <a:ext cx="377662" cy="327344"/>
           </a:xfrm>
           <a:prstGeom prst="rect">
@@ -10325,7 +10325,7 @@
         </p:nvSpPr>
         <p:spPr>
           <a:xfrm>
-            <a:off x="5281129" y="2373767"/>
+            <a:off x="5281129" y="2222765"/>
             <a:ext cx="723275" cy="261610"/>
           </a:xfrm>
           <a:prstGeom prst="rect">
@@ -10360,7 +10360,7 @@
         </p:nvSpPr>
         <p:spPr>
           <a:xfrm>
-            <a:off x="5045310" y="2866616"/>
+            <a:off x="5045310" y="2715614"/>
             <a:ext cx="995785" cy="461665"/>
           </a:xfrm>
           <a:prstGeom prst="rect">
@@ -10492,7 +10492,7 @@
         </p:blipFill>
         <p:spPr bwMode="auto">
           <a:xfrm>
-            <a:off x="6357979" y="2149624"/>
+            <a:off x="6357979" y="1998622"/>
             <a:ext cx="299743" cy="299743"/>
           </a:xfrm>
           <a:prstGeom prst="rect">
@@ -19436,6 +19436,88 @@
           </a:fontRef>
         </p:style>
       </p:cxnSp>
+      <p:sp>
+        <p:nvSpPr>
+          <p:cNvPr id="42" name="ZoneTexte 41">
+            <a:extLst>
+              <a:ext uri="{FF2B5EF4-FFF2-40B4-BE49-F238E27FC236}">
+                <a16:creationId xmlns:a16="http://schemas.microsoft.com/office/drawing/2014/main" id="{DD928916-5F6D-4302-91F0-FE18FB0933E2}"/>
+              </a:ext>
+            </a:extLst>
+          </p:cNvPr>
+          <p:cNvSpPr txBox="1"/>
+          <p:nvPr/>
+        </p:nvSpPr>
+        <p:spPr>
+          <a:xfrm>
+            <a:off x="6434435" y="3025088"/>
+            <a:ext cx="753732" cy="246221"/>
+          </a:xfrm>
+          <a:prstGeom prst="rect">
+            <a:avLst/>
+          </a:prstGeom>
+          <a:noFill/>
+        </p:spPr>
+        <p:txBody>
+          <a:bodyPr wrap="none" rtlCol="0">
+            <a:spAutoFit/>
+          </a:bodyPr>
+          <a:lstStyle/>
+          <a:p>
+            <a:r>
+              <a:rPr lang="fr-FR" sz="1000" dirty="0">
+                <a:solidFill>
+                  <a:schemeClr val="bg1"/>
+                </a:solidFill>
+                <a:latin typeface="Arial" panose="020B0604020202020204" pitchFamily="34" charset="0"/>
+                <a:cs typeface="Arial" panose="020B0604020202020204" pitchFamily="34" charset="0"/>
+              </a:rPr>
+              <a:t>Core CLR</a:t>
+            </a:r>
+          </a:p>
+        </p:txBody>
+      </p:sp>
+      <p:sp>
+        <p:nvSpPr>
+          <p:cNvPr id="44" name="ZoneTexte 43">
+            <a:extLst>
+              <a:ext uri="{FF2B5EF4-FFF2-40B4-BE49-F238E27FC236}">
+                <a16:creationId xmlns:a16="http://schemas.microsoft.com/office/drawing/2014/main" id="{51239713-922A-429A-9F1A-036B8577206B}"/>
+              </a:ext>
+            </a:extLst>
+          </p:cNvPr>
+          <p:cNvSpPr txBox="1"/>
+          <p:nvPr/>
+        </p:nvSpPr>
+        <p:spPr>
+          <a:xfrm>
+            <a:off x="6418230" y="2251809"/>
+            <a:ext cx="795411" cy="246221"/>
+          </a:xfrm>
+          <a:prstGeom prst="rect">
+            <a:avLst/>
+          </a:prstGeom>
+          <a:noFill/>
+        </p:spPr>
+        <p:txBody>
+          <a:bodyPr wrap="none" rtlCol="0">
+            <a:spAutoFit/>
+          </a:bodyPr>
+          <a:lstStyle/>
+          <a:p>
+            <a:r>
+              <a:rPr lang="fr-FR" sz="1000" dirty="0">
+                <a:solidFill>
+                  <a:schemeClr val="bg1"/>
+                </a:solidFill>
+                <a:latin typeface="Arial" panose="020B0604020202020204" pitchFamily="34" charset="0"/>
+                <a:cs typeface="Arial" panose="020B0604020202020204" pitchFamily="34" charset="0"/>
+              </a:rPr>
+              <a:t>Mono CLR</a:t>
+            </a:r>
+          </a:p>
+        </p:txBody>
+      </p:sp>
     </p:spTree>
     <p:extLst>
       <p:ext uri="{BB962C8B-B14F-4D97-AF65-F5344CB8AC3E}">

--- a/documentations/Dotnet vs dotnet core.pptx
+++ b/documentations/Dotnet vs dotnet core.pptx
@@ -270,7 +270,7 @@
           <a:p>
             <a:fld id="{69D368ED-5D89-455D-BBC2-27B161925E43}" type="datetimeFigureOut">
               <a:rPr lang="fr-FR" smtClean="0"/>
-              <a:t>08/11/2020</a:t>
+              <a:t>09/11/2020</a:t>
             </a:fld>
             <a:endParaRPr lang="fr-FR"/>
           </a:p>
@@ -468,7 +468,7 @@
           <a:p>
             <a:fld id="{69D368ED-5D89-455D-BBC2-27B161925E43}" type="datetimeFigureOut">
               <a:rPr lang="fr-FR" smtClean="0"/>
-              <a:t>08/11/2020</a:t>
+              <a:t>09/11/2020</a:t>
             </a:fld>
             <a:endParaRPr lang="fr-FR"/>
           </a:p>
@@ -676,7 +676,7 @@
           <a:p>
             <a:fld id="{69D368ED-5D89-455D-BBC2-27B161925E43}" type="datetimeFigureOut">
               <a:rPr lang="fr-FR" smtClean="0"/>
-              <a:t>08/11/2020</a:t>
+              <a:t>09/11/2020</a:t>
             </a:fld>
             <a:endParaRPr lang="fr-FR"/>
           </a:p>
@@ -874,7 +874,7 @@
           <a:p>
             <a:fld id="{69D368ED-5D89-455D-BBC2-27B161925E43}" type="datetimeFigureOut">
               <a:rPr lang="fr-FR" smtClean="0"/>
-              <a:t>08/11/2020</a:t>
+              <a:t>09/11/2020</a:t>
             </a:fld>
             <a:endParaRPr lang="fr-FR"/>
           </a:p>
@@ -1149,7 +1149,7 @@
           <a:p>
             <a:fld id="{69D368ED-5D89-455D-BBC2-27B161925E43}" type="datetimeFigureOut">
               <a:rPr lang="fr-FR" smtClean="0"/>
-              <a:t>08/11/2020</a:t>
+              <a:t>09/11/2020</a:t>
             </a:fld>
             <a:endParaRPr lang="fr-FR"/>
           </a:p>
@@ -1414,7 +1414,7 @@
           <a:p>
             <a:fld id="{69D368ED-5D89-455D-BBC2-27B161925E43}" type="datetimeFigureOut">
               <a:rPr lang="fr-FR" smtClean="0"/>
-              <a:t>08/11/2020</a:t>
+              <a:t>09/11/2020</a:t>
             </a:fld>
             <a:endParaRPr lang="fr-FR"/>
           </a:p>
@@ -1826,7 +1826,7 @@
           <a:p>
             <a:fld id="{69D368ED-5D89-455D-BBC2-27B161925E43}" type="datetimeFigureOut">
               <a:rPr lang="fr-FR" smtClean="0"/>
-              <a:t>08/11/2020</a:t>
+              <a:t>09/11/2020</a:t>
             </a:fld>
             <a:endParaRPr lang="fr-FR"/>
           </a:p>
@@ -1967,7 +1967,7 @@
           <a:p>
             <a:fld id="{69D368ED-5D89-455D-BBC2-27B161925E43}" type="datetimeFigureOut">
               <a:rPr lang="fr-FR" smtClean="0"/>
-              <a:t>08/11/2020</a:t>
+              <a:t>09/11/2020</a:t>
             </a:fld>
             <a:endParaRPr lang="fr-FR"/>
           </a:p>
@@ -2080,7 +2080,7 @@
           <a:p>
             <a:fld id="{69D368ED-5D89-455D-BBC2-27B161925E43}" type="datetimeFigureOut">
               <a:rPr lang="fr-FR" smtClean="0"/>
-              <a:t>08/11/2020</a:t>
+              <a:t>09/11/2020</a:t>
             </a:fld>
             <a:endParaRPr lang="fr-FR"/>
           </a:p>
@@ -2391,7 +2391,7 @@
           <a:p>
             <a:fld id="{69D368ED-5D89-455D-BBC2-27B161925E43}" type="datetimeFigureOut">
               <a:rPr lang="fr-FR" smtClean="0"/>
-              <a:t>08/11/2020</a:t>
+              <a:t>09/11/2020</a:t>
             </a:fld>
             <a:endParaRPr lang="fr-FR"/>
           </a:p>
@@ -2679,7 +2679,7 @@
           <a:p>
             <a:fld id="{69D368ED-5D89-455D-BBC2-27B161925E43}" type="datetimeFigureOut">
               <a:rPr lang="fr-FR" smtClean="0"/>
-              <a:t>08/11/2020</a:t>
+              <a:t>09/11/2020</a:t>
             </a:fld>
             <a:endParaRPr lang="fr-FR"/>
           </a:p>
@@ -2920,7 +2920,7 @@
           <a:p>
             <a:fld id="{69D368ED-5D89-455D-BBC2-27B161925E43}" type="datetimeFigureOut">
               <a:rPr lang="fr-FR" smtClean="0"/>
-              <a:t>08/11/2020</a:t>
+              <a:t>09/11/2020</a:t>
             </a:fld>
             <a:endParaRPr lang="fr-FR"/>
           </a:p>
@@ -3433,84 +3433,6 @@
       </p:pic>
       <p:sp>
         <p:nvSpPr>
-          <p:cNvPr id="26" name="ZoneTexte 25">
-            <a:extLst>
-              <a:ext uri="{FF2B5EF4-FFF2-40B4-BE49-F238E27FC236}">
-                <a16:creationId xmlns:a16="http://schemas.microsoft.com/office/drawing/2014/main" id="{35184960-491B-43AD-9682-E9E67DBFD9AA}"/>
-              </a:ext>
-            </a:extLst>
-          </p:cNvPr>
-          <p:cNvSpPr txBox="1"/>
-          <p:nvPr/>
-        </p:nvSpPr>
-        <p:spPr>
-          <a:xfrm>
-            <a:off x="2667700" y="2573785"/>
-            <a:ext cx="2108141" cy="369332"/>
-          </a:xfrm>
-          <a:prstGeom prst="rect">
-            <a:avLst/>
-          </a:prstGeom>
-          <a:noFill/>
-        </p:spPr>
-        <p:txBody>
-          <a:bodyPr wrap="none" rtlCol="0">
-            <a:spAutoFit/>
-          </a:bodyPr>
-          <a:lstStyle/>
-          <a:p>
-            <a:r>
-              <a:rPr lang="fr-FR" b="1" dirty="0">
-                <a:solidFill>
-                  <a:schemeClr val="bg1"/>
-                </a:solidFill>
-              </a:rPr>
-              <a:t>.NET Framework 4.8</a:t>
-            </a:r>
-          </a:p>
-        </p:txBody>
-      </p:sp>
-      <p:sp>
-        <p:nvSpPr>
-          <p:cNvPr id="36" name="ZoneTexte 35">
-            <a:extLst>
-              <a:ext uri="{FF2B5EF4-FFF2-40B4-BE49-F238E27FC236}">
-                <a16:creationId xmlns:a16="http://schemas.microsoft.com/office/drawing/2014/main" id="{C514A3F0-630A-411D-94DB-29071C99331A}"/>
-              </a:ext>
-            </a:extLst>
-          </p:cNvPr>
-          <p:cNvSpPr txBox="1"/>
-          <p:nvPr/>
-        </p:nvSpPr>
-        <p:spPr>
-          <a:xfrm>
-            <a:off x="2241334" y="2573785"/>
-            <a:ext cx="343364" cy="369332"/>
-          </a:xfrm>
-          <a:prstGeom prst="rect">
-            <a:avLst/>
-          </a:prstGeom>
-          <a:noFill/>
-        </p:spPr>
-        <p:txBody>
-          <a:bodyPr wrap="square" rtlCol="0">
-            <a:spAutoFit/>
-          </a:bodyPr>
-          <a:lstStyle/>
-          <a:p>
-            <a:r>
-              <a:rPr lang="fr-FR" dirty="0">
-                <a:solidFill>
-                  <a:schemeClr val="bg1"/>
-                </a:solidFill>
-              </a:rPr>
-              <a:t>…</a:t>
-            </a:r>
-          </a:p>
-        </p:txBody>
-      </p:sp>
-      <p:sp>
-        <p:nvSpPr>
           <p:cNvPr id="54" name="ZoneTexte 53">
             <a:extLst>
               <a:ext uri="{FF2B5EF4-FFF2-40B4-BE49-F238E27FC236}">
@@ -3785,8 +3707,8 @@
         </p:nvSpPr>
         <p:spPr>
           <a:xfrm>
-            <a:off x="69792" y="2564568"/>
-            <a:ext cx="2108141" cy="369332"/>
+            <a:off x="60960" y="2526356"/>
+            <a:ext cx="2749920" cy="461665"/>
           </a:xfrm>
           <a:prstGeom prst="rect">
             <a:avLst/>
@@ -3800,7 +3722,7 @@
           <a:lstStyle/>
           <a:p>
             <a:r>
-              <a:rPr lang="fr-FR" b="1" dirty="0">
+              <a:rPr lang="fr-FR" sz="2400" b="1" dirty="0">
                 <a:solidFill>
                   <a:schemeClr val="bg1"/>
                 </a:solidFill>
@@ -4715,45 +4637,6 @@
           </a:p>
         </p:txBody>
       </p:sp>
-      <p:sp>
-        <p:nvSpPr>
-          <p:cNvPr id="13" name="ZoneTexte 12">
-            <a:extLst>
-              <a:ext uri="{FF2B5EF4-FFF2-40B4-BE49-F238E27FC236}">
-                <a16:creationId xmlns:a16="http://schemas.microsoft.com/office/drawing/2014/main" id="{93757D65-2460-4E25-B1DE-BD418A0B3350}"/>
-              </a:ext>
-            </a:extLst>
-          </p:cNvPr>
-          <p:cNvSpPr txBox="1"/>
-          <p:nvPr/>
-        </p:nvSpPr>
-        <p:spPr>
-          <a:xfrm>
-            <a:off x="840968" y="859806"/>
-            <a:ext cx="756938" cy="369332"/>
-          </a:xfrm>
-          <a:prstGeom prst="rect">
-            <a:avLst/>
-          </a:prstGeom>
-          <a:noFill/>
-        </p:spPr>
-        <p:txBody>
-          <a:bodyPr wrap="none" rtlCol="0">
-            <a:spAutoFit/>
-          </a:bodyPr>
-          <a:lstStyle/>
-          <a:p>
-            <a:r>
-              <a:rPr lang="fr-FR" b="1" dirty="0">
-                <a:solidFill>
-                  <a:schemeClr val="bg1"/>
-                </a:solidFill>
-              </a:rPr>
-              <a:t>Mono</a:t>
-            </a:r>
-          </a:p>
-        </p:txBody>
-      </p:sp>
       <p:pic>
         <p:nvPicPr>
           <p:cNvPr id="1026" name="Picture 2">
@@ -4900,97 +4783,6 @@
           <a:p>
             <a:pPr algn="ctr"/>
             <a:endParaRPr lang="fr-FR"/>
-          </a:p>
-        </p:txBody>
-      </p:sp>
-      <p:sp>
-        <p:nvSpPr>
-          <p:cNvPr id="27" name="ZoneTexte 26">
-            <a:extLst>
-              <a:ext uri="{FF2B5EF4-FFF2-40B4-BE49-F238E27FC236}">
-                <a16:creationId xmlns:a16="http://schemas.microsoft.com/office/drawing/2014/main" id="{71EF3C0E-1D24-4CB5-99E1-9072D9AF1570}"/>
-              </a:ext>
-            </a:extLst>
-          </p:cNvPr>
-          <p:cNvSpPr txBox="1"/>
-          <p:nvPr/>
-        </p:nvSpPr>
-        <p:spPr>
-          <a:xfrm>
-            <a:off x="6415581" y="2562043"/>
-            <a:ext cx="995785" cy="461665"/>
-          </a:xfrm>
-          <a:prstGeom prst="rect">
-            <a:avLst/>
-          </a:prstGeom>
-          <a:noFill/>
-        </p:spPr>
-        <p:txBody>
-          <a:bodyPr wrap="none" rtlCol="0">
-            <a:spAutoFit/>
-          </a:bodyPr>
-          <a:lstStyle/>
-          <a:p>
-            <a:r>
-              <a:rPr lang="fr-FR" sz="2400" b="1" dirty="0">
-                <a:solidFill>
-                  <a:schemeClr val="bg1"/>
-                </a:solidFill>
-              </a:rPr>
-              <a:t>.NET 5</a:t>
-            </a:r>
-          </a:p>
-        </p:txBody>
-      </p:sp>
-      <p:sp>
-        <p:nvSpPr>
-          <p:cNvPr id="11" name="ZoneTexte 10">
-            <a:extLst>
-              <a:ext uri="{FF2B5EF4-FFF2-40B4-BE49-F238E27FC236}">
-                <a16:creationId xmlns:a16="http://schemas.microsoft.com/office/drawing/2014/main" id="{3133E6CB-3A12-466B-A3B3-07844FAF7438}"/>
-              </a:ext>
-            </a:extLst>
-          </p:cNvPr>
-          <p:cNvSpPr txBox="1"/>
-          <p:nvPr/>
-        </p:nvSpPr>
-        <p:spPr>
-          <a:xfrm>
-            <a:off x="2316862" y="4308021"/>
-            <a:ext cx="1106585" cy="369332"/>
-          </a:xfrm>
-          <a:prstGeom prst="rect">
-            <a:avLst/>
-          </a:prstGeom>
-          <a:noFill/>
-        </p:spPr>
-        <p:txBody>
-          <a:bodyPr wrap="none" rtlCol="0">
-            <a:spAutoFit/>
-          </a:bodyPr>
-          <a:lstStyle/>
-          <a:p>
-            <a:r>
-              <a:rPr lang="fr-FR" b="1" dirty="0">
-                <a:solidFill>
-                  <a:schemeClr val="bg1"/>
-                </a:solidFill>
-              </a:rPr>
-              <a:t>.NET </a:t>
-            </a:r>
-            <a:r>
-              <a:rPr lang="fr-FR" b="1" dirty="0" err="1">
-                <a:solidFill>
-                  <a:schemeClr val="bg1"/>
-                </a:solidFill>
-              </a:rPr>
-              <a:t>Core</a:t>
-            </a:r>
-            <a:endParaRPr lang="fr-FR" b="1" dirty="0">
-              <a:solidFill>
-                <a:schemeClr val="bg1"/>
-              </a:solidFill>
-            </a:endParaRPr>
           </a:p>
         </p:txBody>
       </p:sp>
@@ -5554,45 +5346,6 @@
       </p:sp>
       <p:sp>
         <p:nvSpPr>
-          <p:cNvPr id="54" name="ZoneTexte 53">
-            <a:extLst>
-              <a:ext uri="{FF2B5EF4-FFF2-40B4-BE49-F238E27FC236}">
-                <a16:creationId xmlns:a16="http://schemas.microsoft.com/office/drawing/2014/main" id="{4322A5C9-DE49-4937-8D88-6D104C66CE29}"/>
-              </a:ext>
-            </a:extLst>
-          </p:cNvPr>
-          <p:cNvSpPr txBox="1"/>
-          <p:nvPr/>
-        </p:nvSpPr>
-        <p:spPr>
-          <a:xfrm>
-            <a:off x="2316862" y="5501031"/>
-            <a:ext cx="1540550" cy="369332"/>
-          </a:xfrm>
-          <a:prstGeom prst="rect">
-            <a:avLst/>
-          </a:prstGeom>
-          <a:noFill/>
-        </p:spPr>
-        <p:txBody>
-          <a:bodyPr wrap="none" rtlCol="0">
-            <a:spAutoFit/>
-          </a:bodyPr>
-          <a:lstStyle/>
-          <a:p>
-            <a:r>
-              <a:rPr lang="fr-FR" b="1" dirty="0">
-                <a:solidFill>
-                  <a:schemeClr val="bg1"/>
-                </a:solidFill>
-              </a:rPr>
-              <a:t>.NET Standard</a:t>
-            </a:r>
-          </a:p>
-        </p:txBody>
-      </p:sp>
-      <p:sp>
-        <p:nvSpPr>
           <p:cNvPr id="15" name="Interdiction 14">
             <a:extLst>
               <a:ext uri="{FF2B5EF4-FFF2-40B4-BE49-F238E27FC236}">
@@ -6563,45 +6316,6 @@
           </a:p>
         </p:txBody>
       </p:sp>
-      <p:sp>
-        <p:nvSpPr>
-          <p:cNvPr id="83" name="ZoneTexte 82">
-            <a:extLst>
-              <a:ext uri="{FF2B5EF4-FFF2-40B4-BE49-F238E27FC236}">
-                <a16:creationId xmlns:a16="http://schemas.microsoft.com/office/drawing/2014/main" id="{02CFC1A8-FFEB-4A30-8901-48943E0C8DC9}"/>
-              </a:ext>
-            </a:extLst>
-          </p:cNvPr>
-          <p:cNvSpPr txBox="1"/>
-          <p:nvPr/>
-        </p:nvSpPr>
-        <p:spPr>
-          <a:xfrm>
-            <a:off x="2620635" y="2572523"/>
-            <a:ext cx="2108141" cy="369332"/>
-          </a:xfrm>
-          <a:prstGeom prst="rect">
-            <a:avLst/>
-          </a:prstGeom>
-          <a:noFill/>
-        </p:spPr>
-        <p:txBody>
-          <a:bodyPr wrap="none" rtlCol="0">
-            <a:spAutoFit/>
-          </a:bodyPr>
-          <a:lstStyle/>
-          <a:p>
-            <a:r>
-              <a:rPr lang="fr-FR" b="1" dirty="0">
-                <a:solidFill>
-                  <a:schemeClr val="bg1"/>
-                </a:solidFill>
-              </a:rPr>
-              <a:t>.NET Framework 4.8</a:t>
-            </a:r>
-          </a:p>
-        </p:txBody>
-      </p:sp>
       <p:pic>
         <p:nvPicPr>
           <p:cNvPr id="2" name="Picture 4" descr="Symbole Android">
@@ -6954,6 +6668,350 @@
           </a:fontRef>
         </p:style>
       </p:cxnSp>
+      <p:sp>
+        <p:nvSpPr>
+          <p:cNvPr id="14" name="ZoneTexte 13">
+            <a:extLst>
+              <a:ext uri="{FF2B5EF4-FFF2-40B4-BE49-F238E27FC236}">
+                <a16:creationId xmlns:a16="http://schemas.microsoft.com/office/drawing/2014/main" id="{BFE87017-68E4-4497-B4E3-6BED56F2206A}"/>
+              </a:ext>
+            </a:extLst>
+          </p:cNvPr>
+          <p:cNvSpPr txBox="1"/>
+          <p:nvPr/>
+        </p:nvSpPr>
+        <p:spPr>
+          <a:xfrm>
+            <a:off x="882021" y="790754"/>
+            <a:ext cx="949299" cy="461665"/>
+          </a:xfrm>
+          <a:prstGeom prst="rect">
+            <a:avLst/>
+          </a:prstGeom>
+          <a:noFill/>
+        </p:spPr>
+        <p:txBody>
+          <a:bodyPr wrap="none" rtlCol="0">
+            <a:spAutoFit/>
+          </a:bodyPr>
+          <a:lstStyle/>
+          <a:p>
+            <a:r>
+              <a:rPr lang="fr-FR" sz="2400" b="1" dirty="0">
+                <a:solidFill>
+                  <a:schemeClr val="bg1"/>
+                </a:solidFill>
+              </a:rPr>
+              <a:t>Mono</a:t>
+            </a:r>
+          </a:p>
+        </p:txBody>
+      </p:sp>
+      <p:sp>
+        <p:nvSpPr>
+          <p:cNvPr id="16" name="ZoneTexte 15">
+            <a:extLst>
+              <a:ext uri="{FF2B5EF4-FFF2-40B4-BE49-F238E27FC236}">
+                <a16:creationId xmlns:a16="http://schemas.microsoft.com/office/drawing/2014/main" id="{9D193D2D-8C17-4C60-B2AC-0553D37C48BD}"/>
+              </a:ext>
+            </a:extLst>
+          </p:cNvPr>
+          <p:cNvSpPr txBox="1"/>
+          <p:nvPr/>
+        </p:nvSpPr>
+        <p:spPr>
+          <a:xfrm>
+            <a:off x="2027133" y="2540593"/>
+            <a:ext cx="2749920" cy="461665"/>
+          </a:xfrm>
+          <a:prstGeom prst="rect">
+            <a:avLst/>
+          </a:prstGeom>
+          <a:noFill/>
+        </p:spPr>
+        <p:txBody>
+          <a:bodyPr wrap="none" rtlCol="0">
+            <a:spAutoFit/>
+          </a:bodyPr>
+          <a:lstStyle/>
+          <a:p>
+            <a:r>
+              <a:rPr lang="fr-FR" sz="2400" b="1" dirty="0">
+                <a:solidFill>
+                  <a:schemeClr val="bg1"/>
+                </a:solidFill>
+              </a:rPr>
+              <a:t>.NET Framework 4.8</a:t>
+            </a:r>
+          </a:p>
+        </p:txBody>
+      </p:sp>
+      <p:sp>
+        <p:nvSpPr>
+          <p:cNvPr id="17" name="ZoneTexte 16">
+            <a:extLst>
+              <a:ext uri="{FF2B5EF4-FFF2-40B4-BE49-F238E27FC236}">
+                <a16:creationId xmlns:a16="http://schemas.microsoft.com/office/drawing/2014/main" id="{9451E000-DC93-4035-854A-AE452C50D40E}"/>
+              </a:ext>
+            </a:extLst>
+          </p:cNvPr>
+          <p:cNvSpPr txBox="1"/>
+          <p:nvPr/>
+        </p:nvSpPr>
+        <p:spPr>
+          <a:xfrm>
+            <a:off x="2250625" y="4257058"/>
+            <a:ext cx="1429943" cy="461665"/>
+          </a:xfrm>
+          <a:prstGeom prst="rect">
+            <a:avLst/>
+          </a:prstGeom>
+          <a:noFill/>
+        </p:spPr>
+        <p:txBody>
+          <a:bodyPr wrap="none" rtlCol="0">
+            <a:spAutoFit/>
+          </a:bodyPr>
+          <a:lstStyle/>
+          <a:p>
+            <a:r>
+              <a:rPr lang="fr-FR" sz="2400" b="1" dirty="0">
+                <a:solidFill>
+                  <a:schemeClr val="bg1"/>
+                </a:solidFill>
+              </a:rPr>
+              <a:t>.NET </a:t>
+            </a:r>
+            <a:r>
+              <a:rPr lang="fr-FR" sz="2400" b="1" dirty="0" err="1">
+                <a:solidFill>
+                  <a:schemeClr val="bg1"/>
+                </a:solidFill>
+              </a:rPr>
+              <a:t>Core</a:t>
+            </a:r>
+            <a:endParaRPr lang="fr-FR" sz="2400" b="1" dirty="0">
+              <a:solidFill>
+                <a:schemeClr val="bg1"/>
+              </a:solidFill>
+            </a:endParaRPr>
+          </a:p>
+        </p:txBody>
+      </p:sp>
+      <p:sp>
+        <p:nvSpPr>
+          <p:cNvPr id="18" name="ZoneTexte 17">
+            <a:extLst>
+              <a:ext uri="{FF2B5EF4-FFF2-40B4-BE49-F238E27FC236}">
+                <a16:creationId xmlns:a16="http://schemas.microsoft.com/office/drawing/2014/main" id="{FD351C57-49CA-4A18-B254-1719B12B1B6C}"/>
+              </a:ext>
+            </a:extLst>
+          </p:cNvPr>
+          <p:cNvSpPr txBox="1"/>
+          <p:nvPr/>
+        </p:nvSpPr>
+        <p:spPr>
+          <a:xfrm>
+            <a:off x="2254791" y="5446317"/>
+            <a:ext cx="1995675" cy="461665"/>
+          </a:xfrm>
+          <a:prstGeom prst="rect">
+            <a:avLst/>
+          </a:prstGeom>
+          <a:noFill/>
+        </p:spPr>
+        <p:txBody>
+          <a:bodyPr wrap="none" rtlCol="0">
+            <a:spAutoFit/>
+          </a:bodyPr>
+          <a:lstStyle/>
+          <a:p>
+            <a:r>
+              <a:rPr lang="fr-FR" sz="2400" b="1" dirty="0">
+                <a:solidFill>
+                  <a:schemeClr val="bg1"/>
+                </a:solidFill>
+              </a:rPr>
+              <a:t>.NET Standard</a:t>
+            </a:r>
+          </a:p>
+        </p:txBody>
+      </p:sp>
+      <p:sp>
+        <p:nvSpPr>
+          <p:cNvPr id="20" name="ZoneTexte 19">
+            <a:extLst>
+              <a:ext uri="{FF2B5EF4-FFF2-40B4-BE49-F238E27FC236}">
+                <a16:creationId xmlns:a16="http://schemas.microsoft.com/office/drawing/2014/main" id="{757EB0F7-6C19-4ED6-A648-61FB4B5BBAD4}"/>
+              </a:ext>
+            </a:extLst>
+          </p:cNvPr>
+          <p:cNvSpPr txBox="1"/>
+          <p:nvPr/>
+        </p:nvSpPr>
+        <p:spPr>
+          <a:xfrm>
+            <a:off x="6454434" y="2390100"/>
+            <a:ext cx="1537600" cy="707886"/>
+          </a:xfrm>
+          <a:prstGeom prst="rect">
+            <a:avLst/>
+          </a:prstGeom>
+          <a:noFill/>
+        </p:spPr>
+        <p:txBody>
+          <a:bodyPr wrap="none" rtlCol="0">
+            <a:spAutoFit/>
+          </a:bodyPr>
+          <a:lstStyle/>
+          <a:p>
+            <a:r>
+              <a:rPr lang="fr-FR" sz="4000" b="1" dirty="0">
+                <a:solidFill>
+                  <a:schemeClr val="bg1"/>
+                </a:solidFill>
+              </a:rPr>
+              <a:t>.NET 5</a:t>
+            </a:r>
+          </a:p>
+        </p:txBody>
+      </p:sp>
+      <p:pic>
+        <p:nvPicPr>
+          <p:cNvPr id="21" name="Picture 2" descr="Afficher l’image source">
+            <a:extLst>
+              <a:ext uri="{FF2B5EF4-FFF2-40B4-BE49-F238E27FC236}">
+                <a16:creationId xmlns:a16="http://schemas.microsoft.com/office/drawing/2014/main" id="{C0211FA3-5098-4B7B-8371-BD2B8869DB6A}"/>
+              </a:ext>
+            </a:extLst>
+          </p:cNvPr>
+          <p:cNvPicPr>
+            <a:picLocks noChangeAspect="1" noChangeArrowheads="1"/>
+          </p:cNvPicPr>
+          <p:nvPr/>
+        </p:nvPicPr>
+        <p:blipFill>
+          <a:blip r:embed="rId7">
+            <a:extLst>
+              <a:ext uri="{28A0092B-C50C-407E-A947-70E740481C1C}">
+                <a14:useLocalDpi xmlns:a14="http://schemas.microsoft.com/office/drawing/2010/main" val="0"/>
+              </a:ext>
+            </a:extLst>
+          </a:blip>
+          <a:srcRect/>
+          <a:stretch>
+            <a:fillRect/>
+          </a:stretch>
+        </p:blipFill>
+        <p:spPr bwMode="auto">
+          <a:xfrm>
+            <a:off x="4192327" y="161088"/>
+            <a:ext cx="216465" cy="216465"/>
+          </a:xfrm>
+          <a:prstGeom prst="rect">
+            <a:avLst/>
+          </a:prstGeom>
+          <a:noFill/>
+          <a:extLst>
+            <a:ext uri="{909E8E84-426E-40DD-AFC4-6F175D3DCCD1}">
+              <a14:hiddenFill xmlns:a14="http://schemas.microsoft.com/office/drawing/2010/main">
+                <a:solidFill>
+                  <a:srgbClr val="FFFFFF"/>
+                </a:solidFill>
+              </a14:hiddenFill>
+            </a:ext>
+          </a:extLst>
+        </p:spPr>
+      </p:pic>
+      <p:sp>
+        <p:nvSpPr>
+          <p:cNvPr id="25" name="Rectangle 24">
+            <a:extLst>
+              <a:ext uri="{FF2B5EF4-FFF2-40B4-BE49-F238E27FC236}">
+                <a16:creationId xmlns:a16="http://schemas.microsoft.com/office/drawing/2014/main" id="{CB0E1E86-5713-4F85-864D-8EB028C05AB7}"/>
+              </a:ext>
+            </a:extLst>
+          </p:cNvPr>
+          <p:cNvSpPr/>
+          <p:nvPr/>
+        </p:nvSpPr>
+        <p:spPr>
+          <a:xfrm>
+            <a:off x="4038790" y="-54640"/>
+            <a:ext cx="585417" cy="261610"/>
+          </a:xfrm>
+          <a:prstGeom prst="rect">
+            <a:avLst/>
+          </a:prstGeom>
+        </p:spPr>
+        <p:txBody>
+          <a:bodyPr wrap="none">
+            <a:spAutoFit/>
+          </a:bodyPr>
+          <a:lstStyle/>
+          <a:p>
+            <a:r>
+              <a:rPr lang="fr-FR" sz="1100" dirty="0">
+                <a:solidFill>
+                  <a:schemeClr val="bg1">
+                    <a:lumMod val="50000"/>
+                  </a:schemeClr>
+                </a:solidFill>
+                <a:latin typeface="Arial" panose="020B0604020202020204" pitchFamily="34" charset="0"/>
+                <a:cs typeface="Arial" panose="020B0604020202020204" pitchFamily="34" charset="0"/>
+              </a:rPr>
+              <a:t>Blazor</a:t>
+            </a:r>
+          </a:p>
+        </p:txBody>
+      </p:sp>
+      <p:pic>
+        <p:nvPicPr>
+          <p:cNvPr id="26" name="Picture 2" descr="Afficher l’image source">
+            <a:extLst>
+              <a:ext uri="{FF2B5EF4-FFF2-40B4-BE49-F238E27FC236}">
+                <a16:creationId xmlns:a16="http://schemas.microsoft.com/office/drawing/2014/main" id="{AC3E674D-2F91-40F8-A27C-65A5E90547CF}"/>
+              </a:ext>
+            </a:extLst>
+          </p:cNvPr>
+          <p:cNvPicPr>
+            <a:picLocks noChangeAspect="1" noChangeArrowheads="1"/>
+          </p:cNvPicPr>
+          <p:nvPr/>
+        </p:nvPicPr>
+        <p:blipFill>
+          <a:blip r:embed="rId7">
+            <a:extLst>
+              <a:ext uri="{28A0092B-C50C-407E-A947-70E740481C1C}">
+                <a14:useLocalDpi xmlns:a14="http://schemas.microsoft.com/office/drawing/2010/main" val="0"/>
+              </a:ext>
+            </a:extLst>
+          </a:blip>
+          <a:srcRect/>
+          <a:stretch>
+            <a:fillRect/>
+          </a:stretch>
+        </p:blipFill>
+        <p:spPr bwMode="auto">
+          <a:xfrm>
+            <a:off x="6732281" y="1765006"/>
+            <a:ext cx="310594" cy="310592"/>
+          </a:xfrm>
+          <a:prstGeom prst="rect">
+            <a:avLst/>
+          </a:prstGeom>
+          <a:noFill/>
+          <a:extLst>
+            <a:ext uri="{909E8E84-426E-40DD-AFC4-6F175D3DCCD1}">
+              <a14:hiddenFill xmlns:a14="http://schemas.microsoft.com/office/drawing/2010/main">
+                <a:solidFill>
+                  <a:srgbClr val="FFFFFF"/>
+                </a:solidFill>
+              </a14:hiddenFill>
+            </a:ext>
+          </a:extLst>
+        </p:spPr>
+      </p:pic>
     </p:spTree>
     <p:extLst>
       <p:ext uri="{BB962C8B-B14F-4D97-AF65-F5344CB8AC3E}">
@@ -7687,45 +7745,6 @@
           </a:p>
         </p:txBody>
       </p:sp>
-      <p:sp>
-        <p:nvSpPr>
-          <p:cNvPr id="13" name="ZoneTexte 12">
-            <a:extLst>
-              <a:ext uri="{FF2B5EF4-FFF2-40B4-BE49-F238E27FC236}">
-                <a16:creationId xmlns:a16="http://schemas.microsoft.com/office/drawing/2014/main" id="{93757D65-2460-4E25-B1DE-BD418A0B3350}"/>
-              </a:ext>
-            </a:extLst>
-          </p:cNvPr>
-          <p:cNvSpPr txBox="1"/>
-          <p:nvPr/>
-        </p:nvSpPr>
-        <p:spPr>
-          <a:xfrm>
-            <a:off x="840968" y="859806"/>
-            <a:ext cx="756938" cy="369332"/>
-          </a:xfrm>
-          <a:prstGeom prst="rect">
-            <a:avLst/>
-          </a:prstGeom>
-          <a:noFill/>
-        </p:spPr>
-        <p:txBody>
-          <a:bodyPr wrap="none" rtlCol="0">
-            <a:spAutoFit/>
-          </a:bodyPr>
-          <a:lstStyle/>
-          <a:p>
-            <a:r>
-              <a:rPr lang="fr-FR" b="1" dirty="0">
-                <a:solidFill>
-                  <a:schemeClr val="bg1"/>
-                </a:solidFill>
-              </a:rPr>
-              <a:t>Mono</a:t>
-            </a:r>
-          </a:p>
-        </p:txBody>
-      </p:sp>
       <p:pic>
         <p:nvPicPr>
           <p:cNvPr id="1026" name="Picture 2">
@@ -7877,58 +7896,6 @@
       </p:sp>
       <p:sp>
         <p:nvSpPr>
-          <p:cNvPr id="11" name="ZoneTexte 10">
-            <a:extLst>
-              <a:ext uri="{FF2B5EF4-FFF2-40B4-BE49-F238E27FC236}">
-                <a16:creationId xmlns:a16="http://schemas.microsoft.com/office/drawing/2014/main" id="{3133E6CB-3A12-466B-A3B3-07844FAF7438}"/>
-              </a:ext>
-            </a:extLst>
-          </p:cNvPr>
-          <p:cNvSpPr txBox="1"/>
-          <p:nvPr/>
-        </p:nvSpPr>
-        <p:spPr>
-          <a:xfrm>
-            <a:off x="2316862" y="4308021"/>
-            <a:ext cx="1106585" cy="369332"/>
-          </a:xfrm>
-          <a:prstGeom prst="rect">
-            <a:avLst/>
-          </a:prstGeom>
-          <a:noFill/>
-        </p:spPr>
-        <p:txBody>
-          <a:bodyPr wrap="none" rtlCol="0">
-            <a:spAutoFit/>
-          </a:bodyPr>
-          <a:lstStyle/>
-          <a:p>
-            <a:r>
-              <a:rPr lang="fr-FR" b="1" dirty="0">
-                <a:solidFill>
-                  <a:schemeClr val="bg1"/>
-                </a:solidFill>
-              </a:rPr>
-              <a:t>.NET </a:t>
-            </a:r>
-            <a:r>
-              <a:rPr lang="fr-FR" b="1" dirty="0" err="1">
-                <a:solidFill>
-                  <a:schemeClr val="bg1"/>
-                </a:solidFill>
-              </a:rPr>
-              <a:t>Core</a:t>
-            </a:r>
-            <a:endParaRPr lang="fr-FR" b="1" dirty="0">
-              <a:solidFill>
-                <a:schemeClr val="bg1"/>
-              </a:solidFill>
-            </a:endParaRPr>
-          </a:p>
-        </p:txBody>
-      </p:sp>
-      <p:sp>
-        <p:nvSpPr>
           <p:cNvPr id="44" name="Flèche : droite 43">
             <a:extLst>
               <a:ext uri="{FF2B5EF4-FFF2-40B4-BE49-F238E27FC236}">
@@ -8212,8 +8179,8 @@
         </p:nvSpPr>
         <p:spPr>
           <a:xfrm>
-            <a:off x="8765827" y="2556223"/>
-            <a:ext cx="995785" cy="461665"/>
+            <a:off x="9066292" y="2390100"/>
+            <a:ext cx="1537600" cy="707886"/>
           </a:xfrm>
           <a:prstGeom prst="rect">
             <a:avLst/>
@@ -8227,7 +8194,7 @@
           <a:lstStyle/>
           <a:p>
             <a:r>
-              <a:rPr lang="fr-FR" sz="2400" b="1" dirty="0">
+              <a:rPr lang="fr-FR" sz="4000" b="1" dirty="0">
                 <a:solidFill>
                   <a:schemeClr val="bg1"/>
                 </a:solidFill>
@@ -8703,8 +8670,8 @@
         </p:nvSpPr>
         <p:spPr>
           <a:xfrm>
-            <a:off x="2316862" y="5501031"/>
-            <a:ext cx="1540550" cy="369332"/>
+            <a:off x="2254791" y="5446317"/>
+            <a:ext cx="1995675" cy="461665"/>
           </a:xfrm>
           <a:prstGeom prst="rect">
             <a:avLst/>
@@ -8718,7 +8685,7 @@
           <a:lstStyle/>
           <a:p>
             <a:r>
-              <a:rPr lang="fr-FR" b="1" dirty="0">
+              <a:rPr lang="fr-FR" sz="2400" b="1" dirty="0">
                 <a:solidFill>
                   <a:schemeClr val="bg1"/>
                 </a:solidFill>
@@ -9190,45 +9157,6 @@
           </a:p>
         </p:txBody>
       </p:sp>
-      <p:sp>
-        <p:nvSpPr>
-          <p:cNvPr id="73" name="ZoneTexte 72">
-            <a:extLst>
-              <a:ext uri="{FF2B5EF4-FFF2-40B4-BE49-F238E27FC236}">
-                <a16:creationId xmlns:a16="http://schemas.microsoft.com/office/drawing/2014/main" id="{E451D81B-3276-45E0-9A1F-505213424082}"/>
-              </a:ext>
-            </a:extLst>
-          </p:cNvPr>
-          <p:cNvSpPr txBox="1"/>
-          <p:nvPr/>
-        </p:nvSpPr>
-        <p:spPr>
-          <a:xfrm>
-            <a:off x="6415581" y="2562043"/>
-            <a:ext cx="995785" cy="461665"/>
-          </a:xfrm>
-          <a:prstGeom prst="rect">
-            <a:avLst/>
-          </a:prstGeom>
-          <a:noFill/>
-        </p:spPr>
-        <p:txBody>
-          <a:bodyPr wrap="none" rtlCol="0">
-            <a:spAutoFit/>
-          </a:bodyPr>
-          <a:lstStyle/>
-          <a:p>
-            <a:r>
-              <a:rPr lang="fr-FR" sz="2400" b="1" dirty="0">
-                <a:solidFill>
-                  <a:schemeClr val="bg1"/>
-                </a:solidFill>
-              </a:rPr>
-              <a:t>.NET 5</a:t>
-            </a:r>
-          </a:p>
-        </p:txBody>
-      </p:sp>
       <p:pic>
         <p:nvPicPr>
           <p:cNvPr id="74" name="Picture 8" descr="Tux — Wikipédia">
@@ -9612,45 +9540,6 @@
           </a:p>
         </p:txBody>
       </p:sp>
-      <p:sp>
-        <p:nvSpPr>
-          <p:cNvPr id="84" name="ZoneTexte 83">
-            <a:extLst>
-              <a:ext uri="{FF2B5EF4-FFF2-40B4-BE49-F238E27FC236}">
-                <a16:creationId xmlns:a16="http://schemas.microsoft.com/office/drawing/2014/main" id="{BECAD16D-742A-4285-B974-E0DAE9A390C8}"/>
-              </a:ext>
-            </a:extLst>
-          </p:cNvPr>
-          <p:cNvSpPr txBox="1"/>
-          <p:nvPr/>
-        </p:nvSpPr>
-        <p:spPr>
-          <a:xfrm>
-            <a:off x="2620635" y="2572523"/>
-            <a:ext cx="2108141" cy="369332"/>
-          </a:xfrm>
-          <a:prstGeom prst="rect">
-            <a:avLst/>
-          </a:prstGeom>
-          <a:noFill/>
-        </p:spPr>
-        <p:txBody>
-          <a:bodyPr wrap="none" rtlCol="0">
-            <a:spAutoFit/>
-          </a:bodyPr>
-          <a:lstStyle/>
-          <a:p>
-            <a:r>
-              <a:rPr lang="fr-FR" b="1" dirty="0">
-                <a:solidFill>
-                  <a:schemeClr val="bg1"/>
-                </a:solidFill>
-              </a:rPr>
-              <a:t>.NET Framework 4.8</a:t>
-            </a:r>
-          </a:p>
-        </p:txBody>
-      </p:sp>
       <p:pic>
         <p:nvPicPr>
           <p:cNvPr id="3" name="Picture 4" descr="Symbole Android">
@@ -9973,8 +9862,8 @@
         </p:nvSpPr>
         <p:spPr>
           <a:xfrm>
-            <a:off x="8386892" y="1132966"/>
-            <a:ext cx="1811714" cy="261610"/>
+            <a:off x="8355028" y="948700"/>
+            <a:ext cx="2852063" cy="369332"/>
           </a:xfrm>
           <a:prstGeom prst="rect">
             <a:avLst/>
@@ -9987,7 +9876,7 @@
           <a:lstStyle/>
           <a:p>
             <a:r>
-              <a:rPr lang="fr-FR" sz="1100" dirty="0">
+              <a:rPr lang="fr-FR" dirty="0">
                 <a:solidFill>
                   <a:schemeClr val="bg1">
                     <a:lumMod val="50000"/>
@@ -10045,6 +9934,311 @@
           </a:fontRef>
         </p:style>
       </p:cxnSp>
+      <p:sp>
+        <p:nvSpPr>
+          <p:cNvPr id="9" name="ZoneTexte 8">
+            <a:extLst>
+              <a:ext uri="{FF2B5EF4-FFF2-40B4-BE49-F238E27FC236}">
+                <a16:creationId xmlns:a16="http://schemas.microsoft.com/office/drawing/2014/main" id="{9947B983-5213-4CF6-98FD-68122E60E238}"/>
+              </a:ext>
+            </a:extLst>
+          </p:cNvPr>
+          <p:cNvSpPr txBox="1"/>
+          <p:nvPr/>
+        </p:nvSpPr>
+        <p:spPr>
+          <a:xfrm>
+            <a:off x="882021" y="790754"/>
+            <a:ext cx="949299" cy="461665"/>
+          </a:xfrm>
+          <a:prstGeom prst="rect">
+            <a:avLst/>
+          </a:prstGeom>
+          <a:noFill/>
+        </p:spPr>
+        <p:txBody>
+          <a:bodyPr wrap="none" rtlCol="0">
+            <a:spAutoFit/>
+          </a:bodyPr>
+          <a:lstStyle/>
+          <a:p>
+            <a:r>
+              <a:rPr lang="fr-FR" sz="2400" b="1" dirty="0">
+                <a:solidFill>
+                  <a:schemeClr val="bg1"/>
+                </a:solidFill>
+              </a:rPr>
+              <a:t>Mono</a:t>
+            </a:r>
+          </a:p>
+        </p:txBody>
+      </p:sp>
+      <p:sp>
+        <p:nvSpPr>
+          <p:cNvPr id="16" name="ZoneTexte 15">
+            <a:extLst>
+              <a:ext uri="{FF2B5EF4-FFF2-40B4-BE49-F238E27FC236}">
+                <a16:creationId xmlns:a16="http://schemas.microsoft.com/office/drawing/2014/main" id="{4453EBF3-FA2D-43A2-B27A-41AA9180E24A}"/>
+              </a:ext>
+            </a:extLst>
+          </p:cNvPr>
+          <p:cNvSpPr txBox="1"/>
+          <p:nvPr/>
+        </p:nvSpPr>
+        <p:spPr>
+          <a:xfrm>
+            <a:off x="2027133" y="2540593"/>
+            <a:ext cx="2749920" cy="461665"/>
+          </a:xfrm>
+          <a:prstGeom prst="rect">
+            <a:avLst/>
+          </a:prstGeom>
+          <a:noFill/>
+        </p:spPr>
+        <p:txBody>
+          <a:bodyPr wrap="none" rtlCol="0">
+            <a:spAutoFit/>
+          </a:bodyPr>
+          <a:lstStyle/>
+          <a:p>
+            <a:r>
+              <a:rPr lang="fr-FR" sz="2400" b="1" dirty="0">
+                <a:solidFill>
+                  <a:schemeClr val="bg1"/>
+                </a:solidFill>
+              </a:rPr>
+              <a:t>.NET Framework 4.8</a:t>
+            </a:r>
+          </a:p>
+        </p:txBody>
+      </p:sp>
+      <p:sp>
+        <p:nvSpPr>
+          <p:cNvPr id="21" name="ZoneTexte 20">
+            <a:extLst>
+              <a:ext uri="{FF2B5EF4-FFF2-40B4-BE49-F238E27FC236}">
+                <a16:creationId xmlns:a16="http://schemas.microsoft.com/office/drawing/2014/main" id="{C3EF261C-5B5F-4750-8062-AAFA89A6CA4C}"/>
+              </a:ext>
+            </a:extLst>
+          </p:cNvPr>
+          <p:cNvSpPr txBox="1"/>
+          <p:nvPr/>
+        </p:nvSpPr>
+        <p:spPr>
+          <a:xfrm>
+            <a:off x="2250625" y="4257058"/>
+            <a:ext cx="1429943" cy="461665"/>
+          </a:xfrm>
+          <a:prstGeom prst="rect">
+            <a:avLst/>
+          </a:prstGeom>
+          <a:noFill/>
+        </p:spPr>
+        <p:txBody>
+          <a:bodyPr wrap="none" rtlCol="0">
+            <a:spAutoFit/>
+          </a:bodyPr>
+          <a:lstStyle/>
+          <a:p>
+            <a:r>
+              <a:rPr lang="fr-FR" sz="2400" b="1" dirty="0">
+                <a:solidFill>
+                  <a:schemeClr val="bg1"/>
+                </a:solidFill>
+              </a:rPr>
+              <a:t>.NET </a:t>
+            </a:r>
+            <a:r>
+              <a:rPr lang="fr-FR" sz="2400" b="1" dirty="0" err="1">
+                <a:solidFill>
+                  <a:schemeClr val="bg1"/>
+                </a:solidFill>
+              </a:rPr>
+              <a:t>Core</a:t>
+            </a:r>
+            <a:endParaRPr lang="fr-FR" sz="2400" b="1" dirty="0">
+              <a:solidFill>
+                <a:schemeClr val="bg1"/>
+              </a:solidFill>
+            </a:endParaRPr>
+          </a:p>
+        </p:txBody>
+      </p:sp>
+      <p:sp>
+        <p:nvSpPr>
+          <p:cNvPr id="22" name="ZoneTexte 21">
+            <a:extLst>
+              <a:ext uri="{FF2B5EF4-FFF2-40B4-BE49-F238E27FC236}">
+                <a16:creationId xmlns:a16="http://schemas.microsoft.com/office/drawing/2014/main" id="{1E2D0381-C113-403C-A8A1-48CE100C28EF}"/>
+              </a:ext>
+            </a:extLst>
+          </p:cNvPr>
+          <p:cNvSpPr txBox="1"/>
+          <p:nvPr/>
+        </p:nvSpPr>
+        <p:spPr>
+          <a:xfrm>
+            <a:off x="6454434" y="2390100"/>
+            <a:ext cx="1537600" cy="707886"/>
+          </a:xfrm>
+          <a:prstGeom prst="rect">
+            <a:avLst/>
+          </a:prstGeom>
+          <a:noFill/>
+        </p:spPr>
+        <p:txBody>
+          <a:bodyPr wrap="none" rtlCol="0">
+            <a:spAutoFit/>
+          </a:bodyPr>
+          <a:lstStyle/>
+          <a:p>
+            <a:r>
+              <a:rPr lang="fr-FR" sz="4000" b="1" dirty="0">
+                <a:solidFill>
+                  <a:schemeClr val="bg1"/>
+                </a:solidFill>
+              </a:rPr>
+              <a:t>.NET 5</a:t>
+            </a:r>
+          </a:p>
+        </p:txBody>
+      </p:sp>
+      <p:pic>
+        <p:nvPicPr>
+          <p:cNvPr id="25" name="Picture 2" descr="Afficher l’image source">
+            <a:extLst>
+              <a:ext uri="{FF2B5EF4-FFF2-40B4-BE49-F238E27FC236}">
+                <a16:creationId xmlns:a16="http://schemas.microsoft.com/office/drawing/2014/main" id="{F3949B23-7343-4606-9904-518D0C66F287}"/>
+              </a:ext>
+            </a:extLst>
+          </p:cNvPr>
+          <p:cNvPicPr>
+            <a:picLocks noChangeAspect="1" noChangeArrowheads="1"/>
+          </p:cNvPicPr>
+          <p:nvPr/>
+        </p:nvPicPr>
+        <p:blipFill>
+          <a:blip r:embed="rId7">
+            <a:extLst>
+              <a:ext uri="{28A0092B-C50C-407E-A947-70E740481C1C}">
+                <a14:useLocalDpi xmlns:a14="http://schemas.microsoft.com/office/drawing/2010/main" val="0"/>
+              </a:ext>
+            </a:extLst>
+          </a:blip>
+          <a:srcRect/>
+          <a:stretch>
+            <a:fillRect/>
+          </a:stretch>
+        </p:blipFill>
+        <p:spPr bwMode="auto">
+          <a:xfrm>
+            <a:off x="4192327" y="161088"/>
+            <a:ext cx="216465" cy="216465"/>
+          </a:xfrm>
+          <a:prstGeom prst="rect">
+            <a:avLst/>
+          </a:prstGeom>
+          <a:noFill/>
+          <a:extLst>
+            <a:ext uri="{909E8E84-426E-40DD-AFC4-6F175D3DCCD1}">
+              <a14:hiddenFill xmlns:a14="http://schemas.microsoft.com/office/drawing/2010/main">
+                <a:solidFill>
+                  <a:srgbClr val="FFFFFF"/>
+                </a:solidFill>
+              </a14:hiddenFill>
+            </a:ext>
+          </a:extLst>
+        </p:spPr>
+      </p:pic>
+      <p:sp>
+        <p:nvSpPr>
+          <p:cNvPr id="26" name="Rectangle 25">
+            <a:extLst>
+              <a:ext uri="{FF2B5EF4-FFF2-40B4-BE49-F238E27FC236}">
+                <a16:creationId xmlns:a16="http://schemas.microsoft.com/office/drawing/2014/main" id="{A68EA093-93D9-41AD-8D9B-B5540329D319}"/>
+              </a:ext>
+            </a:extLst>
+          </p:cNvPr>
+          <p:cNvSpPr/>
+          <p:nvPr/>
+        </p:nvSpPr>
+        <p:spPr>
+          <a:xfrm>
+            <a:off x="4038790" y="-54640"/>
+            <a:ext cx="585417" cy="261610"/>
+          </a:xfrm>
+          <a:prstGeom prst="rect">
+            <a:avLst/>
+          </a:prstGeom>
+        </p:spPr>
+        <p:txBody>
+          <a:bodyPr wrap="none">
+            <a:spAutoFit/>
+          </a:bodyPr>
+          <a:lstStyle/>
+          <a:p>
+            <a:r>
+              <a:rPr lang="fr-FR" sz="1100" dirty="0">
+                <a:solidFill>
+                  <a:schemeClr val="bg1">
+                    <a:lumMod val="50000"/>
+                  </a:schemeClr>
+                </a:solidFill>
+                <a:latin typeface="Arial" panose="020B0604020202020204" pitchFamily="34" charset="0"/>
+                <a:cs typeface="Arial" panose="020B0604020202020204" pitchFamily="34" charset="0"/>
+              </a:rPr>
+              <a:t>Blazor</a:t>
+            </a:r>
+          </a:p>
+        </p:txBody>
+      </p:sp>
+      <p:pic>
+        <p:nvPicPr>
+          <p:cNvPr id="27" name="Picture 2" descr="Afficher l’image source">
+            <a:extLst>
+              <a:ext uri="{FF2B5EF4-FFF2-40B4-BE49-F238E27FC236}">
+                <a16:creationId xmlns:a16="http://schemas.microsoft.com/office/drawing/2014/main" id="{93A53E96-10E7-4B64-962C-6F175412500C}"/>
+              </a:ext>
+            </a:extLst>
+          </p:cNvPr>
+          <p:cNvPicPr>
+            <a:picLocks noChangeAspect="1" noChangeArrowheads="1"/>
+          </p:cNvPicPr>
+          <p:nvPr/>
+        </p:nvPicPr>
+        <p:blipFill>
+          <a:blip r:embed="rId7">
+            <a:extLst>
+              <a:ext uri="{28A0092B-C50C-407E-A947-70E740481C1C}">
+                <a14:useLocalDpi xmlns:a14="http://schemas.microsoft.com/office/drawing/2010/main" val="0"/>
+              </a:ext>
+            </a:extLst>
+          </a:blip>
+          <a:srcRect/>
+          <a:stretch>
+            <a:fillRect/>
+          </a:stretch>
+        </p:blipFill>
+        <p:spPr bwMode="auto">
+          <a:xfrm>
+            <a:off x="6732281" y="1765006"/>
+            <a:ext cx="310594" cy="310592"/>
+          </a:xfrm>
+          <a:prstGeom prst="rect">
+            <a:avLst/>
+          </a:prstGeom>
+          <a:noFill/>
+          <a:extLst>
+            <a:ext uri="{909E8E84-426E-40DD-AFC4-6F175D3DCCD1}">
+              <a14:hiddenFill xmlns:a14="http://schemas.microsoft.com/office/drawing/2010/main">
+                <a:solidFill>
+                  <a:srgbClr val="FFFFFF"/>
+                </a:solidFill>
+              </a14:hiddenFill>
+            </a:ext>
+          </a:extLst>
+        </p:spPr>
+      </p:pic>
     </p:spTree>
     <p:extLst>
       <p:ext uri="{BB962C8B-B14F-4D97-AF65-F5344CB8AC3E}">
@@ -10075,6 +10269,53 @@
           <a:chExt cx="0" cy="0"/>
         </a:xfrm>
       </p:grpSpPr>
+      <p:pic>
+        <p:nvPicPr>
+          <p:cNvPr id="50" name="Picture 12" descr="Formation Apple Mac OS X">
+            <a:extLst>
+              <a:ext uri="{FF2B5EF4-FFF2-40B4-BE49-F238E27FC236}">
+                <a16:creationId xmlns:a16="http://schemas.microsoft.com/office/drawing/2014/main" id="{D60E899E-D2C7-4CDD-925F-9D2063DB3CBC}"/>
+              </a:ext>
+            </a:extLst>
+          </p:cNvPr>
+          <p:cNvPicPr>
+            <a:picLocks noChangeAspect="1" noChangeArrowheads="1"/>
+          </p:cNvPicPr>
+          <p:nvPr/>
+        </p:nvPicPr>
+        <p:blipFill>
+          <a:blip r:embed="rId2">
+            <a:extLst>
+              <a:ext uri="{28A0092B-C50C-407E-A947-70E740481C1C}">
+                <a14:useLocalDpi xmlns:a14="http://schemas.microsoft.com/office/drawing/2010/main" val="0"/>
+              </a:ext>
+            </a:extLst>
+          </a:blip>
+          <a:srcRect/>
+          <a:stretch>
+            <a:fillRect/>
+          </a:stretch>
+        </p:blipFill>
+        <p:spPr bwMode="auto">
+          <a:xfrm>
+            <a:off x="5275947" y="1697408"/>
+            <a:ext cx="861235" cy="574157"/>
+          </a:xfrm>
+          <a:prstGeom prst="rect">
+            <a:avLst/>
+          </a:prstGeom>
+          <a:noFill/>
+          <a:extLst>
+            <a:ext uri="{909E8E84-426E-40DD-AFC4-6F175D3DCCD1}">
+              <a14:hiddenFill xmlns:a14="http://schemas.microsoft.com/office/drawing/2010/main">
+                <a:solidFill>
+                  <a:srgbClr val="FFFFFF"/>
+                </a:solidFill>
+              </a14:hiddenFill>
+            </a:ext>
+          </a:extLst>
+        </p:spPr>
+      </p:pic>
       <p:sp>
         <p:nvSpPr>
           <p:cNvPr id="72" name="Flèche : droite 71">
@@ -10142,7 +10383,7 @@
           <p:nvPr/>
         </p:nvPicPr>
         <p:blipFill rotWithShape="1">
-          <a:blip r:embed="rId2">
+          <a:blip r:embed="rId3">
             <a:extLst>
               <a:ext uri="{28A0092B-C50C-407E-A947-70E740481C1C}">
                 <a14:useLocalDpi xmlns:a14="http://schemas.microsoft.com/office/drawing/2010/main" val="0"/>
@@ -10154,8 +10395,8 @@
         </p:blipFill>
         <p:spPr bwMode="auto">
           <a:xfrm>
-            <a:off x="4961110" y="1914797"/>
-            <a:ext cx="402263" cy="425916"/>
+            <a:off x="4766118" y="1708340"/>
+            <a:ext cx="597255" cy="632373"/>
           </a:xfrm>
           <a:prstGeom prst="rect">
             <a:avLst/>
@@ -10187,7 +10428,7 @@
           <p:nvPr/>
         </p:nvPicPr>
         <p:blipFill>
-          <a:blip r:embed="rId3">
+          <a:blip r:embed="rId4">
             <a:extLst>
               <a:ext uri="{28A0092B-C50C-407E-A947-70E740481C1C}">
                 <a14:useLocalDpi xmlns:a14="http://schemas.microsoft.com/office/drawing/2010/main" val="0"/>
@@ -10201,8 +10442,8 @@
         </p:blipFill>
         <p:spPr bwMode="auto">
           <a:xfrm>
-            <a:off x="4492550" y="1917408"/>
-            <a:ext cx="364395" cy="425916"/>
+            <a:off x="4108399" y="1708041"/>
+            <a:ext cx="536866" cy="627505"/>
           </a:xfrm>
           <a:prstGeom prst="rect">
             <a:avLst/>
@@ -10221,10 +10462,10 @@
       </p:pic>
       <p:pic>
         <p:nvPicPr>
-          <p:cNvPr id="50" name="Picture 12" descr="Formation Apple Mac OS X">
-            <a:extLst>
-              <a:ext uri="{FF2B5EF4-FFF2-40B4-BE49-F238E27FC236}">
-                <a16:creationId xmlns:a16="http://schemas.microsoft.com/office/drawing/2014/main" id="{D60E899E-D2C7-4CDD-925F-9D2063DB3CBC}"/>
+          <p:cNvPr id="51" name="Picture 2">
+            <a:extLst>
+              <a:ext uri="{FF2B5EF4-FFF2-40B4-BE49-F238E27FC236}">
+                <a16:creationId xmlns:a16="http://schemas.microsoft.com/office/drawing/2014/main" id="{75736938-7041-4A85-9FF8-F4285698A34F}"/>
               </a:ext>
             </a:extLst>
           </p:cNvPr>
@@ -10233,23 +10474,21 @@
           </p:cNvPicPr>
           <p:nvPr/>
         </p:nvPicPr>
-        <p:blipFill>
-          <a:blip r:embed="rId4">
+        <p:blipFill rotWithShape="1">
+          <a:blip r:embed="rId5">
             <a:extLst>
               <a:ext uri="{28A0092B-C50C-407E-A947-70E740481C1C}">
                 <a14:useLocalDpi xmlns:a14="http://schemas.microsoft.com/office/drawing/2010/main" val="0"/>
               </a:ext>
             </a:extLst>
           </a:blip>
-          <a:srcRect/>
-          <a:stretch>
-            <a:fillRect/>
-          </a:stretch>
+          <a:srcRect t="1" r="76616" b="-306"/>
+          <a:stretch/>
         </p:blipFill>
         <p:spPr bwMode="auto">
           <a:xfrm>
-            <a:off x="5358710" y="1925783"/>
-            <a:ext cx="534622" cy="356415"/>
+            <a:off x="6058352" y="1823981"/>
+            <a:ext cx="565666" cy="490299"/>
           </a:xfrm>
           <a:prstGeom prst="rect">
             <a:avLst/>
@@ -10266,51 +10505,6 @@
           </a:extLst>
         </p:spPr>
       </p:pic>
-      <p:pic>
-        <p:nvPicPr>
-          <p:cNvPr id="51" name="Picture 2">
-            <a:extLst>
-              <a:ext uri="{FF2B5EF4-FFF2-40B4-BE49-F238E27FC236}">
-                <a16:creationId xmlns:a16="http://schemas.microsoft.com/office/drawing/2014/main" id="{75736938-7041-4A85-9FF8-F4285698A34F}"/>
-              </a:ext>
-            </a:extLst>
-          </p:cNvPr>
-          <p:cNvPicPr>
-            <a:picLocks noChangeAspect="1" noChangeArrowheads="1"/>
-          </p:cNvPicPr>
-          <p:nvPr/>
-        </p:nvPicPr>
-        <p:blipFill rotWithShape="1">
-          <a:blip r:embed="rId5">
-            <a:extLst>
-              <a:ext uri="{28A0092B-C50C-407E-A947-70E740481C1C}">
-                <a14:useLocalDpi xmlns:a14="http://schemas.microsoft.com/office/drawing/2010/main" val="0"/>
-              </a:ext>
-            </a:extLst>
-          </a:blip>
-          <a:srcRect t="1" r="76616" b="-306"/>
-          <a:stretch/>
-        </p:blipFill>
-        <p:spPr bwMode="auto">
-          <a:xfrm>
-            <a:off x="5922159" y="1984822"/>
-            <a:ext cx="377662" cy="327344"/>
-          </a:xfrm>
-          <a:prstGeom prst="rect">
-            <a:avLst/>
-          </a:prstGeom>
-          <a:noFill/>
-          <a:extLst>
-            <a:ext uri="{909E8E84-426E-40DD-AFC4-6F175D3DCCD1}">
-              <a14:hiddenFill xmlns:a14="http://schemas.microsoft.com/office/drawing/2010/main">
-                <a:solidFill>
-                  <a:srgbClr val="FFFFFF"/>
-                </a:solidFill>
-              </a14:hiddenFill>
-            </a:ext>
-          </a:extLst>
-        </p:spPr>
-      </p:pic>
       <p:sp>
         <p:nvSpPr>
           <p:cNvPr id="52" name="ZoneTexte 51">
@@ -10325,7 +10519,7 @@
         </p:nvSpPr>
         <p:spPr>
           <a:xfrm>
-            <a:off x="5281129" y="2222765"/>
+            <a:off x="5340244" y="2209909"/>
             <a:ext cx="723275" cy="261610"/>
           </a:xfrm>
           <a:prstGeom prst="rect">
@@ -10360,8 +10554,8 @@
         </p:nvSpPr>
         <p:spPr>
           <a:xfrm>
-            <a:off x="5045310" y="2715614"/>
-            <a:ext cx="995785" cy="461665"/>
+            <a:off x="4961110" y="2600505"/>
+            <a:ext cx="1404552" cy="646331"/>
           </a:xfrm>
           <a:prstGeom prst="rect">
             <a:avLst/>
@@ -10375,7 +10569,7 @@
           <a:lstStyle/>
           <a:p>
             <a:r>
-              <a:rPr lang="fr-FR" sz="2400" b="1" dirty="0">
+              <a:rPr lang="fr-FR" sz="3600" b="1" dirty="0">
                 <a:solidFill>
                   <a:schemeClr val="bg1"/>
                 </a:solidFill>
@@ -10492,8 +10686,8 @@
         </p:blipFill>
         <p:spPr bwMode="auto">
           <a:xfrm>
-            <a:off x="6357979" y="1998622"/>
-            <a:ext cx="299743" cy="299743"/>
+            <a:off x="6717584" y="1845247"/>
+            <a:ext cx="483947" cy="483947"/>
           </a:xfrm>
           <a:prstGeom prst="rect">
             <a:avLst/>
@@ -10704,8 +10898,8 @@
         </p:nvSpPr>
         <p:spPr>
           <a:xfrm>
-            <a:off x="840968" y="859806"/>
-            <a:ext cx="756938" cy="369332"/>
+            <a:off x="882021" y="790754"/>
+            <a:ext cx="949299" cy="461665"/>
           </a:xfrm>
           <a:prstGeom prst="rect">
             <a:avLst/>
@@ -10719,7 +10913,7 @@
           <a:lstStyle/>
           <a:p>
             <a:r>
-              <a:rPr lang="fr-FR" b="1" dirty="0">
+              <a:rPr lang="fr-FR" sz="2400" b="1" dirty="0">
                 <a:solidFill>
                   <a:schemeClr val="bg1"/>
                 </a:solidFill>
@@ -11152,8 +11346,8 @@
         </p:nvSpPr>
         <p:spPr>
           <a:xfrm>
-            <a:off x="69792" y="2564568"/>
-            <a:ext cx="1760290" cy="369332"/>
+            <a:off x="75309" y="2526356"/>
+            <a:ext cx="2288255" cy="461665"/>
           </a:xfrm>
           <a:prstGeom prst="rect">
             <a:avLst/>
@@ -11167,7 +11361,7 @@
           <a:lstStyle/>
           <a:p>
             <a:r>
-              <a:rPr lang="fr-FR" b="1" dirty="0">
+              <a:rPr lang="fr-FR" sz="2400" b="1" dirty="0">
                 <a:solidFill>
                   <a:schemeClr val="bg1"/>
                 </a:solidFill>
@@ -11305,45 +11499,6 @@
       </p:sp>
       <p:sp>
         <p:nvSpPr>
-          <p:cNvPr id="5" name="ZoneTexte 4">
-            <a:extLst>
-              <a:ext uri="{FF2B5EF4-FFF2-40B4-BE49-F238E27FC236}">
-                <a16:creationId xmlns:a16="http://schemas.microsoft.com/office/drawing/2014/main" id="{032D3831-7CB1-4E32-8AB6-A4312B774CC9}"/>
-              </a:ext>
-            </a:extLst>
-          </p:cNvPr>
-          <p:cNvSpPr txBox="1"/>
-          <p:nvPr/>
-        </p:nvSpPr>
-        <p:spPr>
-          <a:xfrm>
-            <a:off x="840968" y="859806"/>
-            <a:ext cx="756938" cy="369332"/>
-          </a:xfrm>
-          <a:prstGeom prst="rect">
-            <a:avLst/>
-          </a:prstGeom>
-          <a:noFill/>
-        </p:spPr>
-        <p:txBody>
-          <a:bodyPr wrap="none" rtlCol="0">
-            <a:spAutoFit/>
-          </a:bodyPr>
-          <a:lstStyle/>
-          <a:p>
-            <a:r>
-              <a:rPr lang="fr-FR" b="1" dirty="0">
-                <a:solidFill>
-                  <a:schemeClr val="bg1"/>
-                </a:solidFill>
-              </a:rPr>
-              <a:t>Mono</a:t>
-            </a:r>
-          </a:p>
-        </p:txBody>
-      </p:sp>
-      <p:sp>
-        <p:nvSpPr>
           <p:cNvPr id="12" name="Flèche : droite 11">
             <a:extLst>
               <a:ext uri="{FF2B5EF4-FFF2-40B4-BE49-F238E27FC236}">
@@ -11659,45 +11814,6 @@
           </a:p>
         </p:txBody>
       </p:sp>
-      <p:sp>
-        <p:nvSpPr>
-          <p:cNvPr id="33" name="ZoneTexte 32">
-            <a:extLst>
-              <a:ext uri="{FF2B5EF4-FFF2-40B4-BE49-F238E27FC236}">
-                <a16:creationId xmlns:a16="http://schemas.microsoft.com/office/drawing/2014/main" id="{3C9616B3-5B23-4BBF-BC94-CEA33FE26356}"/>
-              </a:ext>
-            </a:extLst>
-          </p:cNvPr>
-          <p:cNvSpPr txBox="1"/>
-          <p:nvPr/>
-        </p:nvSpPr>
-        <p:spPr>
-          <a:xfrm>
-            <a:off x="69792" y="2564568"/>
-            <a:ext cx="1760290" cy="369332"/>
-          </a:xfrm>
-          <a:prstGeom prst="rect">
-            <a:avLst/>
-          </a:prstGeom>
-          <a:noFill/>
-        </p:spPr>
-        <p:txBody>
-          <a:bodyPr wrap="none" rtlCol="0">
-            <a:spAutoFit/>
-          </a:bodyPr>
-          <a:lstStyle/>
-          <a:p>
-            <a:r>
-              <a:rPr lang="fr-FR" b="1" dirty="0">
-                <a:solidFill>
-                  <a:schemeClr val="bg1"/>
-                </a:solidFill>
-              </a:rPr>
-              <a:t>.NET Framework</a:t>
-            </a:r>
-          </a:p>
-        </p:txBody>
-      </p:sp>
       <p:pic>
         <p:nvPicPr>
           <p:cNvPr id="3" name="Picture 8" descr="Tux — Wikipédia">
@@ -11916,6 +12032,84 @@
           </a:fontRef>
         </p:style>
       </p:cxnSp>
+      <p:sp>
+        <p:nvSpPr>
+          <p:cNvPr id="2" name="ZoneTexte 1">
+            <a:extLst>
+              <a:ext uri="{FF2B5EF4-FFF2-40B4-BE49-F238E27FC236}">
+                <a16:creationId xmlns:a16="http://schemas.microsoft.com/office/drawing/2014/main" id="{BBF9F9D4-487B-469E-B328-AEE9B0AD8F1A}"/>
+              </a:ext>
+            </a:extLst>
+          </p:cNvPr>
+          <p:cNvSpPr txBox="1"/>
+          <p:nvPr/>
+        </p:nvSpPr>
+        <p:spPr>
+          <a:xfrm>
+            <a:off x="882021" y="790754"/>
+            <a:ext cx="949299" cy="461665"/>
+          </a:xfrm>
+          <a:prstGeom prst="rect">
+            <a:avLst/>
+          </a:prstGeom>
+          <a:noFill/>
+        </p:spPr>
+        <p:txBody>
+          <a:bodyPr wrap="none" rtlCol="0">
+            <a:spAutoFit/>
+          </a:bodyPr>
+          <a:lstStyle/>
+          <a:p>
+            <a:r>
+              <a:rPr lang="fr-FR" sz="2400" b="1" dirty="0">
+                <a:solidFill>
+                  <a:schemeClr val="bg1"/>
+                </a:solidFill>
+              </a:rPr>
+              <a:t>Mono</a:t>
+            </a:r>
+          </a:p>
+        </p:txBody>
+      </p:sp>
+      <p:sp>
+        <p:nvSpPr>
+          <p:cNvPr id="6" name="ZoneTexte 5">
+            <a:extLst>
+              <a:ext uri="{FF2B5EF4-FFF2-40B4-BE49-F238E27FC236}">
+                <a16:creationId xmlns:a16="http://schemas.microsoft.com/office/drawing/2014/main" id="{CB4AAC1B-064A-426F-8DDB-19C405605281}"/>
+              </a:ext>
+            </a:extLst>
+          </p:cNvPr>
+          <p:cNvSpPr txBox="1"/>
+          <p:nvPr/>
+        </p:nvSpPr>
+        <p:spPr>
+          <a:xfrm>
+            <a:off x="75309" y="2526356"/>
+            <a:ext cx="2288255" cy="461665"/>
+          </a:xfrm>
+          <a:prstGeom prst="rect">
+            <a:avLst/>
+          </a:prstGeom>
+          <a:noFill/>
+        </p:spPr>
+        <p:txBody>
+          <a:bodyPr wrap="none" rtlCol="0">
+            <a:spAutoFit/>
+          </a:bodyPr>
+          <a:lstStyle/>
+          <a:p>
+            <a:r>
+              <a:rPr lang="fr-FR" sz="2400" b="1" dirty="0">
+                <a:solidFill>
+                  <a:schemeClr val="bg1"/>
+                </a:solidFill>
+              </a:rPr>
+              <a:t>.NET Framework</a:t>
+            </a:r>
+          </a:p>
+        </p:txBody>
+      </p:sp>
     </p:spTree>
     <p:extLst>
       <p:ext uri="{BB962C8B-B14F-4D97-AF65-F5344CB8AC3E}">
@@ -12000,45 +12194,6 @@
       </p:sp>
       <p:sp>
         <p:nvSpPr>
-          <p:cNvPr id="5" name="ZoneTexte 4">
-            <a:extLst>
-              <a:ext uri="{FF2B5EF4-FFF2-40B4-BE49-F238E27FC236}">
-                <a16:creationId xmlns:a16="http://schemas.microsoft.com/office/drawing/2014/main" id="{032D3831-7CB1-4E32-8AB6-A4312B774CC9}"/>
-              </a:ext>
-            </a:extLst>
-          </p:cNvPr>
-          <p:cNvSpPr txBox="1"/>
-          <p:nvPr/>
-        </p:nvSpPr>
-        <p:spPr>
-          <a:xfrm>
-            <a:off x="840968" y="859806"/>
-            <a:ext cx="756938" cy="369332"/>
-          </a:xfrm>
-          <a:prstGeom prst="rect">
-            <a:avLst/>
-          </a:prstGeom>
-          <a:noFill/>
-        </p:spPr>
-        <p:txBody>
-          <a:bodyPr wrap="none" rtlCol="0">
-            <a:spAutoFit/>
-          </a:bodyPr>
-          <a:lstStyle/>
-          <a:p>
-            <a:r>
-              <a:rPr lang="fr-FR" b="1" dirty="0">
-                <a:solidFill>
-                  <a:schemeClr val="bg1"/>
-                </a:solidFill>
-              </a:rPr>
-              <a:t>Mono</a:t>
-            </a:r>
-          </a:p>
-        </p:txBody>
-      </p:sp>
-      <p:sp>
-        <p:nvSpPr>
           <p:cNvPr id="12" name="Flèche : droite 11">
             <a:extLst>
               <a:ext uri="{FF2B5EF4-FFF2-40B4-BE49-F238E27FC236}">
@@ -12354,45 +12509,6 @@
           </a:p>
         </p:txBody>
       </p:sp>
-      <p:sp>
-        <p:nvSpPr>
-          <p:cNvPr id="33" name="ZoneTexte 32">
-            <a:extLst>
-              <a:ext uri="{FF2B5EF4-FFF2-40B4-BE49-F238E27FC236}">
-                <a16:creationId xmlns:a16="http://schemas.microsoft.com/office/drawing/2014/main" id="{3C9616B3-5B23-4BBF-BC94-CEA33FE26356}"/>
-              </a:ext>
-            </a:extLst>
-          </p:cNvPr>
-          <p:cNvSpPr txBox="1"/>
-          <p:nvPr/>
-        </p:nvSpPr>
-        <p:spPr>
-          <a:xfrm>
-            <a:off x="69792" y="2564568"/>
-            <a:ext cx="1760290" cy="369332"/>
-          </a:xfrm>
-          <a:prstGeom prst="rect">
-            <a:avLst/>
-          </a:prstGeom>
-          <a:noFill/>
-        </p:spPr>
-        <p:txBody>
-          <a:bodyPr wrap="none" rtlCol="0">
-            <a:spAutoFit/>
-          </a:bodyPr>
-          <a:lstStyle/>
-          <a:p>
-            <a:r>
-              <a:rPr lang="fr-FR" b="1" dirty="0">
-                <a:solidFill>
-                  <a:schemeClr val="bg1"/>
-                </a:solidFill>
-              </a:rPr>
-              <a:t>.NET Framework</a:t>
-            </a:r>
-          </a:p>
-        </p:txBody>
-      </p:sp>
       <p:pic>
         <p:nvPicPr>
           <p:cNvPr id="2" name="Picture 4" descr="Symbole Android">
@@ -12656,6 +12772,84 @@
           </a:fontRef>
         </p:style>
       </p:cxnSp>
+      <p:sp>
+        <p:nvSpPr>
+          <p:cNvPr id="6" name="ZoneTexte 5">
+            <a:extLst>
+              <a:ext uri="{FF2B5EF4-FFF2-40B4-BE49-F238E27FC236}">
+                <a16:creationId xmlns:a16="http://schemas.microsoft.com/office/drawing/2014/main" id="{B000F436-B60C-4599-ADB3-F9CF5859D8F4}"/>
+              </a:ext>
+            </a:extLst>
+          </p:cNvPr>
+          <p:cNvSpPr txBox="1"/>
+          <p:nvPr/>
+        </p:nvSpPr>
+        <p:spPr>
+          <a:xfrm>
+            <a:off x="75309" y="2526356"/>
+            <a:ext cx="2288255" cy="461665"/>
+          </a:xfrm>
+          <a:prstGeom prst="rect">
+            <a:avLst/>
+          </a:prstGeom>
+          <a:noFill/>
+        </p:spPr>
+        <p:txBody>
+          <a:bodyPr wrap="none" rtlCol="0">
+            <a:spAutoFit/>
+          </a:bodyPr>
+          <a:lstStyle/>
+          <a:p>
+            <a:r>
+              <a:rPr lang="fr-FR" sz="2400" b="1" dirty="0">
+                <a:solidFill>
+                  <a:schemeClr val="bg1"/>
+                </a:solidFill>
+              </a:rPr>
+              <a:t>.NET Framework</a:t>
+            </a:r>
+          </a:p>
+        </p:txBody>
+      </p:sp>
+      <p:sp>
+        <p:nvSpPr>
+          <p:cNvPr id="7" name="ZoneTexte 6">
+            <a:extLst>
+              <a:ext uri="{FF2B5EF4-FFF2-40B4-BE49-F238E27FC236}">
+                <a16:creationId xmlns:a16="http://schemas.microsoft.com/office/drawing/2014/main" id="{05D0E69E-E0CC-4587-8370-FFA5759128C3}"/>
+              </a:ext>
+            </a:extLst>
+          </p:cNvPr>
+          <p:cNvSpPr txBox="1"/>
+          <p:nvPr/>
+        </p:nvSpPr>
+        <p:spPr>
+          <a:xfrm>
+            <a:off x="882021" y="790754"/>
+            <a:ext cx="949299" cy="461665"/>
+          </a:xfrm>
+          <a:prstGeom prst="rect">
+            <a:avLst/>
+          </a:prstGeom>
+          <a:noFill/>
+        </p:spPr>
+        <p:txBody>
+          <a:bodyPr wrap="none" rtlCol="0">
+            <a:spAutoFit/>
+          </a:bodyPr>
+          <a:lstStyle/>
+          <a:p>
+            <a:r>
+              <a:rPr lang="fr-FR" sz="2400" b="1" dirty="0">
+                <a:solidFill>
+                  <a:schemeClr val="bg1"/>
+                </a:solidFill>
+              </a:rPr>
+              <a:t>Mono</a:t>
+            </a:r>
+          </a:p>
+        </p:txBody>
+      </p:sp>
     </p:spTree>
     <p:extLst>
       <p:ext uri="{BB962C8B-B14F-4D97-AF65-F5344CB8AC3E}">
@@ -12740,45 +12934,6 @@
       </p:sp>
       <p:sp>
         <p:nvSpPr>
-          <p:cNvPr id="5" name="ZoneTexte 4">
-            <a:extLst>
-              <a:ext uri="{FF2B5EF4-FFF2-40B4-BE49-F238E27FC236}">
-                <a16:creationId xmlns:a16="http://schemas.microsoft.com/office/drawing/2014/main" id="{032D3831-7CB1-4E32-8AB6-A4312B774CC9}"/>
-              </a:ext>
-            </a:extLst>
-          </p:cNvPr>
-          <p:cNvSpPr txBox="1"/>
-          <p:nvPr/>
-        </p:nvSpPr>
-        <p:spPr>
-          <a:xfrm>
-            <a:off x="840968" y="859806"/>
-            <a:ext cx="756938" cy="369332"/>
-          </a:xfrm>
-          <a:prstGeom prst="rect">
-            <a:avLst/>
-          </a:prstGeom>
-          <a:noFill/>
-        </p:spPr>
-        <p:txBody>
-          <a:bodyPr wrap="none" rtlCol="0">
-            <a:spAutoFit/>
-          </a:bodyPr>
-          <a:lstStyle/>
-          <a:p>
-            <a:r>
-              <a:rPr lang="fr-FR" b="1" dirty="0">
-                <a:solidFill>
-                  <a:schemeClr val="bg1"/>
-                </a:solidFill>
-              </a:rPr>
-              <a:t>Mono</a:t>
-            </a:r>
-          </a:p>
-        </p:txBody>
-      </p:sp>
-      <p:sp>
-        <p:nvSpPr>
           <p:cNvPr id="12" name="Flèche : droite 11">
             <a:extLst>
               <a:ext uri="{FF2B5EF4-FFF2-40B4-BE49-F238E27FC236}">
@@ -13094,45 +13249,6 @@
           </a:p>
         </p:txBody>
       </p:sp>
-      <p:sp>
-        <p:nvSpPr>
-          <p:cNvPr id="33" name="ZoneTexte 32">
-            <a:extLst>
-              <a:ext uri="{FF2B5EF4-FFF2-40B4-BE49-F238E27FC236}">
-                <a16:creationId xmlns:a16="http://schemas.microsoft.com/office/drawing/2014/main" id="{3C9616B3-5B23-4BBF-BC94-CEA33FE26356}"/>
-              </a:ext>
-            </a:extLst>
-          </p:cNvPr>
-          <p:cNvSpPr txBox="1"/>
-          <p:nvPr/>
-        </p:nvSpPr>
-        <p:spPr>
-          <a:xfrm>
-            <a:off x="69792" y="2564568"/>
-            <a:ext cx="1760290" cy="369332"/>
-          </a:xfrm>
-          <a:prstGeom prst="rect">
-            <a:avLst/>
-          </a:prstGeom>
-          <a:noFill/>
-        </p:spPr>
-        <p:txBody>
-          <a:bodyPr wrap="none" rtlCol="0">
-            <a:spAutoFit/>
-          </a:bodyPr>
-          <a:lstStyle/>
-          <a:p>
-            <a:r>
-              <a:rPr lang="fr-FR" b="1" dirty="0">
-                <a:solidFill>
-                  <a:schemeClr val="bg1"/>
-                </a:solidFill>
-              </a:rPr>
-              <a:t>.NET Framework</a:t>
-            </a:r>
-          </a:p>
-        </p:txBody>
-      </p:sp>
       <p:pic>
         <p:nvPicPr>
           <p:cNvPr id="2" name="Picture 4" descr="Symbole Android">
@@ -13438,6 +13554,84 @@
           </a:fontRef>
         </p:style>
       </p:cxnSp>
+      <p:sp>
+        <p:nvSpPr>
+          <p:cNvPr id="6" name="ZoneTexte 5">
+            <a:extLst>
+              <a:ext uri="{FF2B5EF4-FFF2-40B4-BE49-F238E27FC236}">
+                <a16:creationId xmlns:a16="http://schemas.microsoft.com/office/drawing/2014/main" id="{B78934BD-DB2A-448C-80DC-8666CBF1AF4F}"/>
+              </a:ext>
+            </a:extLst>
+          </p:cNvPr>
+          <p:cNvSpPr txBox="1"/>
+          <p:nvPr/>
+        </p:nvSpPr>
+        <p:spPr>
+          <a:xfrm>
+            <a:off x="75309" y="2526356"/>
+            <a:ext cx="2288255" cy="461665"/>
+          </a:xfrm>
+          <a:prstGeom prst="rect">
+            <a:avLst/>
+          </a:prstGeom>
+          <a:noFill/>
+        </p:spPr>
+        <p:txBody>
+          <a:bodyPr wrap="none" rtlCol="0">
+            <a:spAutoFit/>
+          </a:bodyPr>
+          <a:lstStyle/>
+          <a:p>
+            <a:r>
+              <a:rPr lang="fr-FR" sz="2400" b="1" dirty="0">
+                <a:solidFill>
+                  <a:schemeClr val="bg1"/>
+                </a:solidFill>
+              </a:rPr>
+              <a:t>.NET Framework</a:t>
+            </a:r>
+          </a:p>
+        </p:txBody>
+      </p:sp>
+      <p:sp>
+        <p:nvSpPr>
+          <p:cNvPr id="7" name="ZoneTexte 6">
+            <a:extLst>
+              <a:ext uri="{FF2B5EF4-FFF2-40B4-BE49-F238E27FC236}">
+                <a16:creationId xmlns:a16="http://schemas.microsoft.com/office/drawing/2014/main" id="{379131CA-158B-4D84-8A27-F2D761BDE737}"/>
+              </a:ext>
+            </a:extLst>
+          </p:cNvPr>
+          <p:cNvSpPr txBox="1"/>
+          <p:nvPr/>
+        </p:nvSpPr>
+        <p:spPr>
+          <a:xfrm>
+            <a:off x="882021" y="790754"/>
+            <a:ext cx="949299" cy="461665"/>
+          </a:xfrm>
+          <a:prstGeom prst="rect">
+            <a:avLst/>
+          </a:prstGeom>
+          <a:noFill/>
+        </p:spPr>
+        <p:txBody>
+          <a:bodyPr wrap="none" rtlCol="0">
+            <a:spAutoFit/>
+          </a:bodyPr>
+          <a:lstStyle/>
+          <a:p>
+            <a:r>
+              <a:rPr lang="fr-FR" sz="2400" b="1" dirty="0">
+                <a:solidFill>
+                  <a:schemeClr val="bg1"/>
+                </a:solidFill>
+              </a:rPr>
+              <a:t>Mono</a:t>
+            </a:r>
+          </a:p>
+        </p:txBody>
+      </p:sp>
     </p:spTree>
     <p:extLst>
       <p:ext uri="{BB962C8B-B14F-4D97-AF65-F5344CB8AC3E}">
@@ -13522,45 +13716,6 @@
       </p:sp>
       <p:sp>
         <p:nvSpPr>
-          <p:cNvPr id="5" name="ZoneTexte 4">
-            <a:extLst>
-              <a:ext uri="{FF2B5EF4-FFF2-40B4-BE49-F238E27FC236}">
-                <a16:creationId xmlns:a16="http://schemas.microsoft.com/office/drawing/2014/main" id="{032D3831-7CB1-4E32-8AB6-A4312B774CC9}"/>
-              </a:ext>
-            </a:extLst>
-          </p:cNvPr>
-          <p:cNvSpPr txBox="1"/>
-          <p:nvPr/>
-        </p:nvSpPr>
-        <p:spPr>
-          <a:xfrm>
-            <a:off x="840968" y="859806"/>
-            <a:ext cx="756938" cy="369332"/>
-          </a:xfrm>
-          <a:prstGeom prst="rect">
-            <a:avLst/>
-          </a:prstGeom>
-          <a:noFill/>
-        </p:spPr>
-        <p:txBody>
-          <a:bodyPr wrap="none" rtlCol="0">
-            <a:spAutoFit/>
-          </a:bodyPr>
-          <a:lstStyle/>
-          <a:p>
-            <a:r>
-              <a:rPr lang="fr-FR" b="1" dirty="0">
-                <a:solidFill>
-                  <a:schemeClr val="bg1"/>
-                </a:solidFill>
-              </a:rPr>
-              <a:t>Mono</a:t>
-            </a:r>
-          </a:p>
-        </p:txBody>
-      </p:sp>
-      <p:sp>
-        <p:nvSpPr>
           <p:cNvPr id="12" name="Flèche : droite 11">
             <a:extLst>
               <a:ext uri="{FF2B5EF4-FFF2-40B4-BE49-F238E27FC236}">
@@ -13876,45 +14031,6 @@
           </a:p>
         </p:txBody>
       </p:sp>
-      <p:sp>
-        <p:nvSpPr>
-          <p:cNvPr id="33" name="ZoneTexte 32">
-            <a:extLst>
-              <a:ext uri="{FF2B5EF4-FFF2-40B4-BE49-F238E27FC236}">
-                <a16:creationId xmlns:a16="http://schemas.microsoft.com/office/drawing/2014/main" id="{3C9616B3-5B23-4BBF-BC94-CEA33FE26356}"/>
-              </a:ext>
-            </a:extLst>
-          </p:cNvPr>
-          <p:cNvSpPr txBox="1"/>
-          <p:nvPr/>
-        </p:nvSpPr>
-        <p:spPr>
-          <a:xfrm>
-            <a:off x="69792" y="2564568"/>
-            <a:ext cx="1760290" cy="369332"/>
-          </a:xfrm>
-          <a:prstGeom prst="rect">
-            <a:avLst/>
-          </a:prstGeom>
-          <a:noFill/>
-        </p:spPr>
-        <p:txBody>
-          <a:bodyPr wrap="none" rtlCol="0">
-            <a:spAutoFit/>
-          </a:bodyPr>
-          <a:lstStyle/>
-          <a:p>
-            <a:r>
-              <a:rPr lang="fr-FR" b="1" dirty="0">
-                <a:solidFill>
-                  <a:schemeClr val="bg1"/>
-                </a:solidFill>
-              </a:rPr>
-              <a:t>.NET Framework</a:t>
-            </a:r>
-          </a:p>
-        </p:txBody>
-      </p:sp>
       <p:pic>
         <p:nvPicPr>
           <p:cNvPr id="2" name="Picture 4" descr="Symbole Android">
@@ -14267,6 +14383,173 @@
           </a:fontRef>
         </p:style>
       </p:cxnSp>
+      <p:sp>
+        <p:nvSpPr>
+          <p:cNvPr id="6" name="ZoneTexte 5">
+            <a:extLst>
+              <a:ext uri="{FF2B5EF4-FFF2-40B4-BE49-F238E27FC236}">
+                <a16:creationId xmlns:a16="http://schemas.microsoft.com/office/drawing/2014/main" id="{880F829F-4964-46A1-B62E-5D7327BAC94C}"/>
+              </a:ext>
+            </a:extLst>
+          </p:cNvPr>
+          <p:cNvSpPr txBox="1"/>
+          <p:nvPr/>
+        </p:nvSpPr>
+        <p:spPr>
+          <a:xfrm>
+            <a:off x="75309" y="2526356"/>
+            <a:ext cx="2288255" cy="461665"/>
+          </a:xfrm>
+          <a:prstGeom prst="rect">
+            <a:avLst/>
+          </a:prstGeom>
+          <a:noFill/>
+        </p:spPr>
+        <p:txBody>
+          <a:bodyPr wrap="none" rtlCol="0">
+            <a:spAutoFit/>
+          </a:bodyPr>
+          <a:lstStyle/>
+          <a:p>
+            <a:r>
+              <a:rPr lang="fr-FR" sz="2400" b="1" dirty="0">
+                <a:solidFill>
+                  <a:schemeClr val="bg1"/>
+                </a:solidFill>
+              </a:rPr>
+              <a:t>.NET Framework</a:t>
+            </a:r>
+          </a:p>
+        </p:txBody>
+      </p:sp>
+      <p:sp>
+        <p:nvSpPr>
+          <p:cNvPr id="7" name="ZoneTexte 6">
+            <a:extLst>
+              <a:ext uri="{FF2B5EF4-FFF2-40B4-BE49-F238E27FC236}">
+                <a16:creationId xmlns:a16="http://schemas.microsoft.com/office/drawing/2014/main" id="{7DD55692-6C16-4CCF-8FFD-32E01702F9FA}"/>
+              </a:ext>
+            </a:extLst>
+          </p:cNvPr>
+          <p:cNvSpPr txBox="1"/>
+          <p:nvPr/>
+        </p:nvSpPr>
+        <p:spPr>
+          <a:xfrm>
+            <a:off x="882021" y="790754"/>
+            <a:ext cx="949299" cy="461665"/>
+          </a:xfrm>
+          <a:prstGeom prst="rect">
+            <a:avLst/>
+          </a:prstGeom>
+          <a:noFill/>
+        </p:spPr>
+        <p:txBody>
+          <a:bodyPr wrap="none" rtlCol="0">
+            <a:spAutoFit/>
+          </a:bodyPr>
+          <a:lstStyle/>
+          <a:p>
+            <a:r>
+              <a:rPr lang="fr-FR" sz="2400" b="1" dirty="0">
+                <a:solidFill>
+                  <a:schemeClr val="bg1"/>
+                </a:solidFill>
+              </a:rPr>
+              <a:t>Mono</a:t>
+            </a:r>
+          </a:p>
+        </p:txBody>
+      </p:sp>
+      <p:pic>
+        <p:nvPicPr>
+          <p:cNvPr id="8" name="Picture 2" descr="Afficher l’image source">
+            <a:extLst>
+              <a:ext uri="{FF2B5EF4-FFF2-40B4-BE49-F238E27FC236}">
+                <a16:creationId xmlns:a16="http://schemas.microsoft.com/office/drawing/2014/main" id="{BBF6D1B2-884B-4B1A-B80D-AD5D249D0E6F}"/>
+              </a:ext>
+            </a:extLst>
+          </p:cNvPr>
+          <p:cNvPicPr>
+            <a:picLocks noChangeAspect="1" noChangeArrowheads="1"/>
+          </p:cNvPicPr>
+          <p:nvPr/>
+        </p:nvPicPr>
+        <p:blipFill>
+          <a:blip r:embed="rId7">
+            <a:extLst>
+              <a:ext uri="{28A0092B-C50C-407E-A947-70E740481C1C}">
+                <a14:useLocalDpi xmlns:a14="http://schemas.microsoft.com/office/drawing/2010/main" val="0"/>
+              </a:ext>
+            </a:extLst>
+          </a:blip>
+          <a:srcRect/>
+          <a:stretch>
+            <a:fillRect/>
+          </a:stretch>
+        </p:blipFill>
+        <p:spPr bwMode="auto">
+          <a:xfrm>
+            <a:off x="4192327" y="161088"/>
+            <a:ext cx="216465" cy="216465"/>
+          </a:xfrm>
+          <a:prstGeom prst="rect">
+            <a:avLst/>
+          </a:prstGeom>
+          <a:noFill/>
+          <a:extLst>
+            <a:ext uri="{909E8E84-426E-40DD-AFC4-6F175D3DCCD1}">
+              <a14:hiddenFill xmlns:a14="http://schemas.microsoft.com/office/drawing/2010/main">
+                <a:solidFill>
+                  <a:srgbClr val="FFFFFF"/>
+                </a:solidFill>
+              </a14:hiddenFill>
+            </a:ext>
+          </a:extLst>
+        </p:spPr>
+      </p:pic>
+      <p:sp>
+        <p:nvSpPr>
+          <p:cNvPr id="9" name="Rectangle 8">
+            <a:extLst>
+              <a:ext uri="{FF2B5EF4-FFF2-40B4-BE49-F238E27FC236}">
+                <a16:creationId xmlns:a16="http://schemas.microsoft.com/office/drawing/2014/main" id="{53C4BAE6-8765-4B3B-A239-C3E793230ABF}"/>
+              </a:ext>
+            </a:extLst>
+          </p:cNvPr>
+          <p:cNvSpPr/>
+          <p:nvPr/>
+        </p:nvSpPr>
+        <p:spPr>
+          <a:xfrm>
+            <a:off x="4038790" y="-54640"/>
+            <a:ext cx="585417" cy="261610"/>
+          </a:xfrm>
+          <a:prstGeom prst="rect">
+            <a:avLst/>
+          </a:prstGeom>
+        </p:spPr>
+        <p:txBody>
+          <a:bodyPr wrap="none">
+            <a:spAutoFit/>
+          </a:bodyPr>
+          <a:lstStyle/>
+          <a:p>
+            <a:r>
+              <a:rPr lang="fr-FR" sz="1100" dirty="0">
+                <a:solidFill>
+                  <a:schemeClr val="bg1">
+                    <a:lumMod val="50000"/>
+                  </a:schemeClr>
+                </a:solidFill>
+                <a:latin typeface="Arial" panose="020B0604020202020204" pitchFamily="34" charset="0"/>
+                <a:cs typeface="Arial" panose="020B0604020202020204" pitchFamily="34" charset="0"/>
+              </a:rPr>
+              <a:t>Blazor</a:t>
+            </a:r>
+          </a:p>
+        </p:txBody>
+      </p:sp>
     </p:spTree>
     <p:extLst>
       <p:ext uri="{BB962C8B-B14F-4D97-AF65-F5344CB8AC3E}">
@@ -14351,45 +14634,6 @@
       </p:sp>
       <p:sp>
         <p:nvSpPr>
-          <p:cNvPr id="5" name="ZoneTexte 4">
-            <a:extLst>
-              <a:ext uri="{FF2B5EF4-FFF2-40B4-BE49-F238E27FC236}">
-                <a16:creationId xmlns:a16="http://schemas.microsoft.com/office/drawing/2014/main" id="{7A7C5D26-6252-4BB2-B5F7-47A34399AC82}"/>
-              </a:ext>
-            </a:extLst>
-          </p:cNvPr>
-          <p:cNvSpPr txBox="1"/>
-          <p:nvPr/>
-        </p:nvSpPr>
-        <p:spPr>
-          <a:xfrm>
-            <a:off x="840968" y="859806"/>
-            <a:ext cx="756938" cy="369332"/>
-          </a:xfrm>
-          <a:prstGeom prst="rect">
-            <a:avLst/>
-          </a:prstGeom>
-          <a:noFill/>
-        </p:spPr>
-        <p:txBody>
-          <a:bodyPr wrap="none" rtlCol="0">
-            <a:spAutoFit/>
-          </a:bodyPr>
-          <a:lstStyle/>
-          <a:p>
-            <a:r>
-              <a:rPr lang="fr-FR" b="1" dirty="0">
-                <a:solidFill>
-                  <a:schemeClr val="bg1"/>
-                </a:solidFill>
-              </a:rPr>
-              <a:t>Mono</a:t>
-            </a:r>
-          </a:p>
-        </p:txBody>
-      </p:sp>
-      <p:sp>
-        <p:nvSpPr>
           <p:cNvPr id="12" name="Flèche : droite 11">
             <a:extLst>
               <a:ext uri="{FF2B5EF4-FFF2-40B4-BE49-F238E27FC236}">
@@ -14437,45 +14681,6 @@
           </a:p>
         </p:txBody>
       </p:sp>
-      <p:sp>
-        <p:nvSpPr>
-          <p:cNvPr id="13" name="ZoneTexte 12">
-            <a:extLst>
-              <a:ext uri="{FF2B5EF4-FFF2-40B4-BE49-F238E27FC236}">
-                <a16:creationId xmlns:a16="http://schemas.microsoft.com/office/drawing/2014/main" id="{4DBBA643-D0AC-4F6D-9242-C3250C716972}"/>
-              </a:ext>
-            </a:extLst>
-          </p:cNvPr>
-          <p:cNvSpPr txBox="1"/>
-          <p:nvPr/>
-        </p:nvSpPr>
-        <p:spPr>
-          <a:xfrm>
-            <a:off x="69792" y="2564568"/>
-            <a:ext cx="1760290" cy="369332"/>
-          </a:xfrm>
-          <a:prstGeom prst="rect">
-            <a:avLst/>
-          </a:prstGeom>
-          <a:noFill/>
-        </p:spPr>
-        <p:txBody>
-          <a:bodyPr wrap="none" rtlCol="0">
-            <a:spAutoFit/>
-          </a:bodyPr>
-          <a:lstStyle/>
-          <a:p>
-            <a:r>
-              <a:rPr lang="fr-FR" b="1" dirty="0">
-                <a:solidFill>
-                  <a:schemeClr val="bg1"/>
-                </a:solidFill>
-              </a:rPr>
-              <a:t>.NET Framework</a:t>
-            </a:r>
-          </a:p>
-        </p:txBody>
-      </p:sp>
       <p:pic>
         <p:nvPicPr>
           <p:cNvPr id="14" name="Picture 2">
@@ -14587,8 +14792,8 @@
         </p:nvSpPr>
         <p:spPr>
           <a:xfrm>
-            <a:off x="2316862" y="4308021"/>
-            <a:ext cx="1106585" cy="369332"/>
+            <a:off x="2250625" y="4257058"/>
+            <a:ext cx="1429943" cy="461665"/>
           </a:xfrm>
           <a:prstGeom prst="rect">
             <a:avLst/>
@@ -14602,7 +14807,7 @@
           <a:lstStyle/>
           <a:p>
             <a:r>
-              <a:rPr lang="fr-FR" b="1" dirty="0">
+              <a:rPr lang="fr-FR" sz="2400" b="1" dirty="0">
                 <a:solidFill>
                   <a:schemeClr val="bg1"/>
                 </a:solidFill>
@@ -14610,14 +14815,14 @@
               <a:t>.NET </a:t>
             </a:r>
             <a:r>
-              <a:rPr lang="fr-FR" b="1" dirty="0" err="1">
+              <a:rPr lang="fr-FR" sz="2400" b="1" dirty="0" err="1">
                 <a:solidFill>
                   <a:schemeClr val="bg1"/>
                 </a:solidFill>
               </a:rPr>
               <a:t>Core</a:t>
             </a:r>
-            <a:endParaRPr lang="fr-FR" b="1" dirty="0">
+            <a:endParaRPr lang="fr-FR" sz="2400" b="1" dirty="0">
               <a:solidFill>
                 <a:schemeClr val="bg1"/>
               </a:solidFill>
@@ -15467,6 +15672,173 @@
           </a:fontRef>
         </p:style>
       </p:cxnSp>
+      <p:sp>
+        <p:nvSpPr>
+          <p:cNvPr id="6" name="ZoneTexte 5">
+            <a:extLst>
+              <a:ext uri="{FF2B5EF4-FFF2-40B4-BE49-F238E27FC236}">
+                <a16:creationId xmlns:a16="http://schemas.microsoft.com/office/drawing/2014/main" id="{231FB6FA-C6F2-4D22-8647-8D51E19BA567}"/>
+              </a:ext>
+            </a:extLst>
+          </p:cNvPr>
+          <p:cNvSpPr txBox="1"/>
+          <p:nvPr/>
+        </p:nvSpPr>
+        <p:spPr>
+          <a:xfrm>
+            <a:off x="75309" y="2526356"/>
+            <a:ext cx="2288255" cy="461665"/>
+          </a:xfrm>
+          <a:prstGeom prst="rect">
+            <a:avLst/>
+          </a:prstGeom>
+          <a:noFill/>
+        </p:spPr>
+        <p:txBody>
+          <a:bodyPr wrap="none" rtlCol="0">
+            <a:spAutoFit/>
+          </a:bodyPr>
+          <a:lstStyle/>
+          <a:p>
+            <a:r>
+              <a:rPr lang="fr-FR" sz="2400" b="1" dirty="0">
+                <a:solidFill>
+                  <a:schemeClr val="bg1"/>
+                </a:solidFill>
+              </a:rPr>
+              <a:t>.NET Framework</a:t>
+            </a:r>
+          </a:p>
+        </p:txBody>
+      </p:sp>
+      <p:sp>
+        <p:nvSpPr>
+          <p:cNvPr id="7" name="ZoneTexte 6">
+            <a:extLst>
+              <a:ext uri="{FF2B5EF4-FFF2-40B4-BE49-F238E27FC236}">
+                <a16:creationId xmlns:a16="http://schemas.microsoft.com/office/drawing/2014/main" id="{846BA33C-A6B1-4306-BC08-C22DD9FDBE09}"/>
+              </a:ext>
+            </a:extLst>
+          </p:cNvPr>
+          <p:cNvSpPr txBox="1"/>
+          <p:nvPr/>
+        </p:nvSpPr>
+        <p:spPr>
+          <a:xfrm>
+            <a:off x="882021" y="790754"/>
+            <a:ext cx="949299" cy="461665"/>
+          </a:xfrm>
+          <a:prstGeom prst="rect">
+            <a:avLst/>
+          </a:prstGeom>
+          <a:noFill/>
+        </p:spPr>
+        <p:txBody>
+          <a:bodyPr wrap="none" rtlCol="0">
+            <a:spAutoFit/>
+          </a:bodyPr>
+          <a:lstStyle/>
+          <a:p>
+            <a:r>
+              <a:rPr lang="fr-FR" sz="2400" b="1" dirty="0">
+                <a:solidFill>
+                  <a:schemeClr val="bg1"/>
+                </a:solidFill>
+              </a:rPr>
+              <a:t>Mono</a:t>
+            </a:r>
+          </a:p>
+        </p:txBody>
+      </p:sp>
+      <p:pic>
+        <p:nvPicPr>
+          <p:cNvPr id="1026" name="Picture 2" descr="Afficher l’image source">
+            <a:extLst>
+              <a:ext uri="{FF2B5EF4-FFF2-40B4-BE49-F238E27FC236}">
+                <a16:creationId xmlns:a16="http://schemas.microsoft.com/office/drawing/2014/main" id="{4359F90A-F2B0-462F-9146-651BB0F678A9}"/>
+              </a:ext>
+            </a:extLst>
+          </p:cNvPr>
+          <p:cNvPicPr>
+            <a:picLocks noChangeAspect="1" noChangeArrowheads="1"/>
+          </p:cNvPicPr>
+          <p:nvPr/>
+        </p:nvPicPr>
+        <p:blipFill>
+          <a:blip r:embed="rId7">
+            <a:extLst>
+              <a:ext uri="{28A0092B-C50C-407E-A947-70E740481C1C}">
+                <a14:useLocalDpi xmlns:a14="http://schemas.microsoft.com/office/drawing/2010/main" val="0"/>
+              </a:ext>
+            </a:extLst>
+          </a:blip>
+          <a:srcRect/>
+          <a:stretch>
+            <a:fillRect/>
+          </a:stretch>
+        </p:blipFill>
+        <p:spPr bwMode="auto">
+          <a:xfrm>
+            <a:off x="4192327" y="161088"/>
+            <a:ext cx="216465" cy="216465"/>
+          </a:xfrm>
+          <a:prstGeom prst="rect">
+            <a:avLst/>
+          </a:prstGeom>
+          <a:noFill/>
+          <a:extLst>
+            <a:ext uri="{909E8E84-426E-40DD-AFC4-6F175D3DCCD1}">
+              <a14:hiddenFill xmlns:a14="http://schemas.microsoft.com/office/drawing/2010/main">
+                <a:solidFill>
+                  <a:srgbClr val="FFFFFF"/>
+                </a:solidFill>
+              </a14:hiddenFill>
+            </a:ext>
+          </a:extLst>
+        </p:spPr>
+      </p:pic>
+      <p:sp>
+        <p:nvSpPr>
+          <p:cNvPr id="39" name="Rectangle 38">
+            <a:extLst>
+              <a:ext uri="{FF2B5EF4-FFF2-40B4-BE49-F238E27FC236}">
+                <a16:creationId xmlns:a16="http://schemas.microsoft.com/office/drawing/2014/main" id="{76F23951-D6C5-4973-8564-F83BF7F4803B}"/>
+              </a:ext>
+            </a:extLst>
+          </p:cNvPr>
+          <p:cNvSpPr/>
+          <p:nvPr/>
+        </p:nvSpPr>
+        <p:spPr>
+          <a:xfrm>
+            <a:off x="4038790" y="-54640"/>
+            <a:ext cx="585417" cy="261610"/>
+          </a:xfrm>
+          <a:prstGeom prst="rect">
+            <a:avLst/>
+          </a:prstGeom>
+        </p:spPr>
+        <p:txBody>
+          <a:bodyPr wrap="none">
+            <a:spAutoFit/>
+          </a:bodyPr>
+          <a:lstStyle/>
+          <a:p>
+            <a:r>
+              <a:rPr lang="fr-FR" sz="1100" dirty="0">
+                <a:solidFill>
+                  <a:schemeClr val="bg1">
+                    <a:lumMod val="50000"/>
+                  </a:schemeClr>
+                </a:solidFill>
+                <a:latin typeface="Arial" panose="020B0604020202020204" pitchFamily="34" charset="0"/>
+                <a:cs typeface="Arial" panose="020B0604020202020204" pitchFamily="34" charset="0"/>
+              </a:rPr>
+              <a:t>Blazor</a:t>
+            </a:r>
+          </a:p>
+        </p:txBody>
+      </p:sp>
     </p:spTree>
     <p:extLst>
       <p:ext uri="{BB962C8B-B14F-4D97-AF65-F5344CB8AC3E}">
@@ -15551,45 +15923,6 @@
       </p:sp>
       <p:sp>
         <p:nvSpPr>
-          <p:cNvPr id="5" name="ZoneTexte 4">
-            <a:extLst>
-              <a:ext uri="{FF2B5EF4-FFF2-40B4-BE49-F238E27FC236}">
-                <a16:creationId xmlns:a16="http://schemas.microsoft.com/office/drawing/2014/main" id="{7A7C5D26-6252-4BB2-B5F7-47A34399AC82}"/>
-              </a:ext>
-            </a:extLst>
-          </p:cNvPr>
-          <p:cNvSpPr txBox="1"/>
-          <p:nvPr/>
-        </p:nvSpPr>
-        <p:spPr>
-          <a:xfrm>
-            <a:off x="840968" y="859806"/>
-            <a:ext cx="756938" cy="369332"/>
-          </a:xfrm>
-          <a:prstGeom prst="rect">
-            <a:avLst/>
-          </a:prstGeom>
-          <a:noFill/>
-        </p:spPr>
-        <p:txBody>
-          <a:bodyPr wrap="none" rtlCol="0">
-            <a:spAutoFit/>
-          </a:bodyPr>
-          <a:lstStyle/>
-          <a:p>
-            <a:r>
-              <a:rPr lang="fr-FR" b="1" dirty="0">
-                <a:solidFill>
-                  <a:schemeClr val="bg1"/>
-                </a:solidFill>
-              </a:rPr>
-              <a:t>Mono</a:t>
-            </a:r>
-          </a:p>
-        </p:txBody>
-      </p:sp>
-      <p:sp>
-        <p:nvSpPr>
           <p:cNvPr id="12" name="Flèche : droite 11">
             <a:extLst>
               <a:ext uri="{FF2B5EF4-FFF2-40B4-BE49-F238E27FC236}">
@@ -15736,58 +16069,6 @@
       </p:sp>
       <p:sp>
         <p:nvSpPr>
-          <p:cNvPr id="29" name="ZoneTexte 28">
-            <a:extLst>
-              <a:ext uri="{FF2B5EF4-FFF2-40B4-BE49-F238E27FC236}">
-                <a16:creationId xmlns:a16="http://schemas.microsoft.com/office/drawing/2014/main" id="{E15CE82E-3E99-4A9D-8EE3-E64656A196D4}"/>
-              </a:ext>
-            </a:extLst>
-          </p:cNvPr>
-          <p:cNvSpPr txBox="1"/>
-          <p:nvPr/>
-        </p:nvSpPr>
-        <p:spPr>
-          <a:xfrm>
-            <a:off x="2316862" y="4308021"/>
-            <a:ext cx="1106585" cy="369332"/>
-          </a:xfrm>
-          <a:prstGeom prst="rect">
-            <a:avLst/>
-          </a:prstGeom>
-          <a:noFill/>
-        </p:spPr>
-        <p:txBody>
-          <a:bodyPr wrap="none" rtlCol="0">
-            <a:spAutoFit/>
-          </a:bodyPr>
-          <a:lstStyle/>
-          <a:p>
-            <a:r>
-              <a:rPr lang="fr-FR" b="1" dirty="0">
-                <a:solidFill>
-                  <a:schemeClr val="bg1"/>
-                </a:solidFill>
-              </a:rPr>
-              <a:t>.NET </a:t>
-            </a:r>
-            <a:r>
-              <a:rPr lang="fr-FR" b="1" dirty="0" err="1">
-                <a:solidFill>
-                  <a:schemeClr val="bg1"/>
-                </a:solidFill>
-              </a:rPr>
-              <a:t>Core</a:t>
-            </a:r>
-            <a:endParaRPr lang="fr-FR" b="1" dirty="0">
-              <a:solidFill>
-                <a:schemeClr val="bg1"/>
-              </a:solidFill>
-            </a:endParaRPr>
-          </a:p>
-        </p:txBody>
-      </p:sp>
-      <p:sp>
-        <p:nvSpPr>
           <p:cNvPr id="26" name="Flèche : droite 25">
             <a:extLst>
               <a:ext uri="{FF2B5EF4-FFF2-40B4-BE49-F238E27FC236}">
@@ -15840,45 +16121,6 @@
           </a:p>
         </p:txBody>
       </p:sp>
-      <p:sp>
-        <p:nvSpPr>
-          <p:cNvPr id="27" name="ZoneTexte 26">
-            <a:extLst>
-              <a:ext uri="{FF2B5EF4-FFF2-40B4-BE49-F238E27FC236}">
-                <a16:creationId xmlns:a16="http://schemas.microsoft.com/office/drawing/2014/main" id="{C77B31CE-B6B4-4E92-85F0-B75EAD07CABE}"/>
-              </a:ext>
-            </a:extLst>
-          </p:cNvPr>
-          <p:cNvSpPr txBox="1"/>
-          <p:nvPr/>
-        </p:nvSpPr>
-        <p:spPr>
-          <a:xfrm>
-            <a:off x="2316862" y="5501031"/>
-            <a:ext cx="1540550" cy="369332"/>
-          </a:xfrm>
-          <a:prstGeom prst="rect">
-            <a:avLst/>
-          </a:prstGeom>
-          <a:noFill/>
-        </p:spPr>
-        <p:txBody>
-          <a:bodyPr wrap="none" rtlCol="0">
-            <a:spAutoFit/>
-          </a:bodyPr>
-          <a:lstStyle/>
-          <a:p>
-            <a:r>
-              <a:rPr lang="fr-FR" b="1" dirty="0">
-                <a:solidFill>
-                  <a:schemeClr val="bg1"/>
-                </a:solidFill>
-              </a:rPr>
-              <a:t>.NET Standard</a:t>
-            </a:r>
-          </a:p>
-        </p:txBody>
-      </p:sp>
       <p:pic>
         <p:nvPicPr>
           <p:cNvPr id="34" name="Picture 8" descr="Tux — Wikipédia">
@@ -16369,45 +16611,6 @@
           </a:p>
         </p:txBody>
       </p:sp>
-      <p:sp>
-        <p:nvSpPr>
-          <p:cNvPr id="45" name="ZoneTexte 44">
-            <a:extLst>
-              <a:ext uri="{FF2B5EF4-FFF2-40B4-BE49-F238E27FC236}">
-                <a16:creationId xmlns:a16="http://schemas.microsoft.com/office/drawing/2014/main" id="{7F290F15-B642-4231-B516-DFA994576BEB}"/>
-              </a:ext>
-            </a:extLst>
-          </p:cNvPr>
-          <p:cNvSpPr txBox="1"/>
-          <p:nvPr/>
-        </p:nvSpPr>
-        <p:spPr>
-          <a:xfrm>
-            <a:off x="69792" y="2564568"/>
-            <a:ext cx="1760290" cy="369332"/>
-          </a:xfrm>
-          <a:prstGeom prst="rect">
-            <a:avLst/>
-          </a:prstGeom>
-          <a:noFill/>
-        </p:spPr>
-        <p:txBody>
-          <a:bodyPr wrap="none" rtlCol="0">
-            <a:spAutoFit/>
-          </a:bodyPr>
-          <a:lstStyle/>
-          <a:p>
-            <a:r>
-              <a:rPr lang="fr-FR" b="1" dirty="0">
-                <a:solidFill>
-                  <a:schemeClr val="bg1"/>
-                </a:solidFill>
-              </a:rPr>
-              <a:t>.NET Framework</a:t>
-            </a:r>
-          </a:p>
-        </p:txBody>
-      </p:sp>
       <p:pic>
         <p:nvPicPr>
           <p:cNvPr id="2" name="Picture 4" descr="Symbole Android">
@@ -16760,6 +16963,264 @@
           </a:fontRef>
         </p:style>
       </p:cxnSp>
+      <p:sp>
+        <p:nvSpPr>
+          <p:cNvPr id="6" name="ZoneTexte 5">
+            <a:extLst>
+              <a:ext uri="{FF2B5EF4-FFF2-40B4-BE49-F238E27FC236}">
+                <a16:creationId xmlns:a16="http://schemas.microsoft.com/office/drawing/2014/main" id="{42EC95F2-2E4A-408F-9982-76D17AEBBA0F}"/>
+              </a:ext>
+            </a:extLst>
+          </p:cNvPr>
+          <p:cNvSpPr txBox="1"/>
+          <p:nvPr/>
+        </p:nvSpPr>
+        <p:spPr>
+          <a:xfrm>
+            <a:off x="75309" y="2526356"/>
+            <a:ext cx="2288255" cy="461665"/>
+          </a:xfrm>
+          <a:prstGeom prst="rect">
+            <a:avLst/>
+          </a:prstGeom>
+          <a:noFill/>
+        </p:spPr>
+        <p:txBody>
+          <a:bodyPr wrap="none" rtlCol="0">
+            <a:spAutoFit/>
+          </a:bodyPr>
+          <a:lstStyle/>
+          <a:p>
+            <a:r>
+              <a:rPr lang="fr-FR" sz="2400" b="1" dirty="0">
+                <a:solidFill>
+                  <a:schemeClr val="bg1"/>
+                </a:solidFill>
+              </a:rPr>
+              <a:t>.NET Framework</a:t>
+            </a:r>
+          </a:p>
+        </p:txBody>
+      </p:sp>
+      <p:sp>
+        <p:nvSpPr>
+          <p:cNvPr id="7" name="ZoneTexte 6">
+            <a:extLst>
+              <a:ext uri="{FF2B5EF4-FFF2-40B4-BE49-F238E27FC236}">
+                <a16:creationId xmlns:a16="http://schemas.microsoft.com/office/drawing/2014/main" id="{899ED47D-54C5-4BED-9E6F-23D7DEE0A065}"/>
+              </a:ext>
+            </a:extLst>
+          </p:cNvPr>
+          <p:cNvSpPr txBox="1"/>
+          <p:nvPr/>
+        </p:nvSpPr>
+        <p:spPr>
+          <a:xfrm>
+            <a:off x="882021" y="790754"/>
+            <a:ext cx="949299" cy="461665"/>
+          </a:xfrm>
+          <a:prstGeom prst="rect">
+            <a:avLst/>
+          </a:prstGeom>
+          <a:noFill/>
+        </p:spPr>
+        <p:txBody>
+          <a:bodyPr wrap="none" rtlCol="0">
+            <a:spAutoFit/>
+          </a:bodyPr>
+          <a:lstStyle/>
+          <a:p>
+            <a:r>
+              <a:rPr lang="fr-FR" sz="2400" b="1" dirty="0">
+                <a:solidFill>
+                  <a:schemeClr val="bg1"/>
+                </a:solidFill>
+              </a:rPr>
+              <a:t>Mono</a:t>
+            </a:r>
+          </a:p>
+        </p:txBody>
+      </p:sp>
+      <p:sp>
+        <p:nvSpPr>
+          <p:cNvPr id="8" name="ZoneTexte 7">
+            <a:extLst>
+              <a:ext uri="{FF2B5EF4-FFF2-40B4-BE49-F238E27FC236}">
+                <a16:creationId xmlns:a16="http://schemas.microsoft.com/office/drawing/2014/main" id="{23442AAB-0BD3-4B04-B8D1-695088C8D04A}"/>
+              </a:ext>
+            </a:extLst>
+          </p:cNvPr>
+          <p:cNvSpPr txBox="1"/>
+          <p:nvPr/>
+        </p:nvSpPr>
+        <p:spPr>
+          <a:xfrm>
+            <a:off x="2250625" y="4257058"/>
+            <a:ext cx="1429943" cy="461665"/>
+          </a:xfrm>
+          <a:prstGeom prst="rect">
+            <a:avLst/>
+          </a:prstGeom>
+          <a:noFill/>
+        </p:spPr>
+        <p:txBody>
+          <a:bodyPr wrap="none" rtlCol="0">
+            <a:spAutoFit/>
+          </a:bodyPr>
+          <a:lstStyle/>
+          <a:p>
+            <a:r>
+              <a:rPr lang="fr-FR" sz="2400" b="1" dirty="0">
+                <a:solidFill>
+                  <a:schemeClr val="bg1"/>
+                </a:solidFill>
+              </a:rPr>
+              <a:t>.NET </a:t>
+            </a:r>
+            <a:r>
+              <a:rPr lang="fr-FR" sz="2400" b="1" dirty="0" err="1">
+                <a:solidFill>
+                  <a:schemeClr val="bg1"/>
+                </a:solidFill>
+              </a:rPr>
+              <a:t>Core</a:t>
+            </a:r>
+            <a:endParaRPr lang="fr-FR" sz="2400" b="1" dirty="0">
+              <a:solidFill>
+                <a:schemeClr val="bg1"/>
+              </a:solidFill>
+            </a:endParaRPr>
+          </a:p>
+        </p:txBody>
+      </p:sp>
+      <p:sp>
+        <p:nvSpPr>
+          <p:cNvPr id="9" name="ZoneTexte 8">
+            <a:extLst>
+              <a:ext uri="{FF2B5EF4-FFF2-40B4-BE49-F238E27FC236}">
+                <a16:creationId xmlns:a16="http://schemas.microsoft.com/office/drawing/2014/main" id="{016A0196-3065-4B03-9419-51F2F0E49D6B}"/>
+              </a:ext>
+            </a:extLst>
+          </p:cNvPr>
+          <p:cNvSpPr txBox="1"/>
+          <p:nvPr/>
+        </p:nvSpPr>
+        <p:spPr>
+          <a:xfrm>
+            <a:off x="2254791" y="5446317"/>
+            <a:ext cx="1995675" cy="461665"/>
+          </a:xfrm>
+          <a:prstGeom prst="rect">
+            <a:avLst/>
+          </a:prstGeom>
+          <a:noFill/>
+        </p:spPr>
+        <p:txBody>
+          <a:bodyPr wrap="none" rtlCol="0">
+            <a:spAutoFit/>
+          </a:bodyPr>
+          <a:lstStyle/>
+          <a:p>
+            <a:r>
+              <a:rPr lang="fr-FR" sz="2400" b="1" dirty="0">
+                <a:solidFill>
+                  <a:schemeClr val="bg1"/>
+                </a:solidFill>
+              </a:rPr>
+              <a:t>.NET Standard</a:t>
+            </a:r>
+          </a:p>
+        </p:txBody>
+      </p:sp>
+      <p:pic>
+        <p:nvPicPr>
+          <p:cNvPr id="10" name="Picture 2" descr="Afficher l’image source">
+            <a:extLst>
+              <a:ext uri="{FF2B5EF4-FFF2-40B4-BE49-F238E27FC236}">
+                <a16:creationId xmlns:a16="http://schemas.microsoft.com/office/drawing/2014/main" id="{9A6E78C9-D6D3-4991-BEF3-B2639E4C9BC2}"/>
+              </a:ext>
+            </a:extLst>
+          </p:cNvPr>
+          <p:cNvPicPr>
+            <a:picLocks noChangeAspect="1" noChangeArrowheads="1"/>
+          </p:cNvPicPr>
+          <p:nvPr/>
+        </p:nvPicPr>
+        <p:blipFill>
+          <a:blip r:embed="rId7">
+            <a:extLst>
+              <a:ext uri="{28A0092B-C50C-407E-A947-70E740481C1C}">
+                <a14:useLocalDpi xmlns:a14="http://schemas.microsoft.com/office/drawing/2010/main" val="0"/>
+              </a:ext>
+            </a:extLst>
+          </a:blip>
+          <a:srcRect/>
+          <a:stretch>
+            <a:fillRect/>
+          </a:stretch>
+        </p:blipFill>
+        <p:spPr bwMode="auto">
+          <a:xfrm>
+            <a:off x="4192327" y="161088"/>
+            <a:ext cx="216465" cy="216465"/>
+          </a:xfrm>
+          <a:prstGeom prst="rect">
+            <a:avLst/>
+          </a:prstGeom>
+          <a:noFill/>
+          <a:extLst>
+            <a:ext uri="{909E8E84-426E-40DD-AFC4-6F175D3DCCD1}">
+              <a14:hiddenFill xmlns:a14="http://schemas.microsoft.com/office/drawing/2010/main">
+                <a:solidFill>
+                  <a:srgbClr val="FFFFFF"/>
+                </a:solidFill>
+              </a14:hiddenFill>
+            </a:ext>
+          </a:extLst>
+        </p:spPr>
+      </p:pic>
+      <p:sp>
+        <p:nvSpPr>
+          <p:cNvPr id="11" name="Rectangle 10">
+            <a:extLst>
+              <a:ext uri="{FF2B5EF4-FFF2-40B4-BE49-F238E27FC236}">
+                <a16:creationId xmlns:a16="http://schemas.microsoft.com/office/drawing/2014/main" id="{CB632CFF-FC6C-4B4D-B104-6F67FB1366B5}"/>
+              </a:ext>
+            </a:extLst>
+          </p:cNvPr>
+          <p:cNvSpPr/>
+          <p:nvPr/>
+        </p:nvSpPr>
+        <p:spPr>
+          <a:xfrm>
+            <a:off x="4038790" y="-54640"/>
+            <a:ext cx="585417" cy="261610"/>
+          </a:xfrm>
+          <a:prstGeom prst="rect">
+            <a:avLst/>
+          </a:prstGeom>
+        </p:spPr>
+        <p:txBody>
+          <a:bodyPr wrap="none">
+            <a:spAutoFit/>
+          </a:bodyPr>
+          <a:lstStyle/>
+          <a:p>
+            <a:r>
+              <a:rPr lang="fr-FR" sz="1100" dirty="0">
+                <a:solidFill>
+                  <a:schemeClr val="bg1">
+                    <a:lumMod val="50000"/>
+                  </a:schemeClr>
+                </a:solidFill>
+                <a:latin typeface="Arial" panose="020B0604020202020204" pitchFamily="34" charset="0"/>
+                <a:cs typeface="Arial" panose="020B0604020202020204" pitchFamily="34" charset="0"/>
+              </a:rPr>
+              <a:t>Blazor</a:t>
+            </a:r>
+          </a:p>
+        </p:txBody>
+      </p:sp>
     </p:spTree>
     <p:extLst>
       <p:ext uri="{BB962C8B-B14F-4D97-AF65-F5344CB8AC3E}">
@@ -17621,45 +18082,6 @@
           </a:p>
         </p:txBody>
       </p:sp>
-      <p:sp>
-        <p:nvSpPr>
-          <p:cNvPr id="13" name="ZoneTexte 12">
-            <a:extLst>
-              <a:ext uri="{FF2B5EF4-FFF2-40B4-BE49-F238E27FC236}">
-                <a16:creationId xmlns:a16="http://schemas.microsoft.com/office/drawing/2014/main" id="{93757D65-2460-4E25-B1DE-BD418A0B3350}"/>
-              </a:ext>
-            </a:extLst>
-          </p:cNvPr>
-          <p:cNvSpPr txBox="1"/>
-          <p:nvPr/>
-        </p:nvSpPr>
-        <p:spPr>
-          <a:xfrm>
-            <a:off x="840968" y="859806"/>
-            <a:ext cx="756938" cy="369332"/>
-          </a:xfrm>
-          <a:prstGeom prst="rect">
-            <a:avLst/>
-          </a:prstGeom>
-          <a:noFill/>
-        </p:spPr>
-        <p:txBody>
-          <a:bodyPr wrap="none" rtlCol="0">
-            <a:spAutoFit/>
-          </a:bodyPr>
-          <a:lstStyle/>
-          <a:p>
-            <a:r>
-              <a:rPr lang="fr-FR" b="1" dirty="0">
-                <a:solidFill>
-                  <a:schemeClr val="bg1"/>
-                </a:solidFill>
-              </a:rPr>
-              <a:t>Mono</a:t>
-            </a:r>
-          </a:p>
-        </p:txBody>
-      </p:sp>
       <p:pic>
         <p:nvPicPr>
           <p:cNvPr id="1026" name="Picture 2">
@@ -17806,97 +18228,6 @@
           <a:p>
             <a:pPr algn="ctr"/>
             <a:endParaRPr lang="fr-FR"/>
-          </a:p>
-        </p:txBody>
-      </p:sp>
-      <p:sp>
-        <p:nvSpPr>
-          <p:cNvPr id="27" name="ZoneTexte 26">
-            <a:extLst>
-              <a:ext uri="{FF2B5EF4-FFF2-40B4-BE49-F238E27FC236}">
-                <a16:creationId xmlns:a16="http://schemas.microsoft.com/office/drawing/2014/main" id="{71EF3C0E-1D24-4CB5-99E1-9072D9AF1570}"/>
-              </a:ext>
-            </a:extLst>
-          </p:cNvPr>
-          <p:cNvSpPr txBox="1"/>
-          <p:nvPr/>
-        </p:nvSpPr>
-        <p:spPr>
-          <a:xfrm>
-            <a:off x="6415581" y="2562043"/>
-            <a:ext cx="995785" cy="461665"/>
-          </a:xfrm>
-          <a:prstGeom prst="rect">
-            <a:avLst/>
-          </a:prstGeom>
-          <a:noFill/>
-        </p:spPr>
-        <p:txBody>
-          <a:bodyPr wrap="none" rtlCol="0">
-            <a:spAutoFit/>
-          </a:bodyPr>
-          <a:lstStyle/>
-          <a:p>
-            <a:r>
-              <a:rPr lang="fr-FR" sz="2400" b="1" dirty="0">
-                <a:solidFill>
-                  <a:schemeClr val="bg1"/>
-                </a:solidFill>
-              </a:rPr>
-              <a:t>.NET 5</a:t>
-            </a:r>
-          </a:p>
-        </p:txBody>
-      </p:sp>
-      <p:sp>
-        <p:nvSpPr>
-          <p:cNvPr id="11" name="ZoneTexte 10">
-            <a:extLst>
-              <a:ext uri="{FF2B5EF4-FFF2-40B4-BE49-F238E27FC236}">
-                <a16:creationId xmlns:a16="http://schemas.microsoft.com/office/drawing/2014/main" id="{3133E6CB-3A12-466B-A3B3-07844FAF7438}"/>
-              </a:ext>
-            </a:extLst>
-          </p:cNvPr>
-          <p:cNvSpPr txBox="1"/>
-          <p:nvPr/>
-        </p:nvSpPr>
-        <p:spPr>
-          <a:xfrm>
-            <a:off x="2316862" y="4308021"/>
-            <a:ext cx="1106585" cy="369332"/>
-          </a:xfrm>
-          <a:prstGeom prst="rect">
-            <a:avLst/>
-          </a:prstGeom>
-          <a:noFill/>
-        </p:spPr>
-        <p:txBody>
-          <a:bodyPr wrap="none" rtlCol="0">
-            <a:spAutoFit/>
-          </a:bodyPr>
-          <a:lstStyle/>
-          <a:p>
-            <a:r>
-              <a:rPr lang="fr-FR" b="1" dirty="0">
-                <a:solidFill>
-                  <a:schemeClr val="bg1"/>
-                </a:solidFill>
-              </a:rPr>
-              <a:t>.NET </a:t>
-            </a:r>
-            <a:r>
-              <a:rPr lang="fr-FR" b="1" dirty="0" err="1">
-                <a:solidFill>
-                  <a:schemeClr val="bg1"/>
-                </a:solidFill>
-              </a:rPr>
-              <a:t>Core</a:t>
-            </a:r>
-            <a:endParaRPr lang="fr-FR" b="1" dirty="0">
-              <a:solidFill>
-                <a:schemeClr val="bg1"/>
-              </a:solidFill>
-            </a:endParaRPr>
           </a:p>
         </p:txBody>
       </p:sp>
@@ -18460,45 +18791,6 @@
       </p:sp>
       <p:sp>
         <p:nvSpPr>
-          <p:cNvPr id="54" name="ZoneTexte 53">
-            <a:extLst>
-              <a:ext uri="{FF2B5EF4-FFF2-40B4-BE49-F238E27FC236}">
-                <a16:creationId xmlns:a16="http://schemas.microsoft.com/office/drawing/2014/main" id="{4322A5C9-DE49-4937-8D88-6D104C66CE29}"/>
-              </a:ext>
-            </a:extLst>
-          </p:cNvPr>
-          <p:cNvSpPr txBox="1"/>
-          <p:nvPr/>
-        </p:nvSpPr>
-        <p:spPr>
-          <a:xfrm>
-            <a:off x="2316862" y="5501031"/>
-            <a:ext cx="1540550" cy="369332"/>
-          </a:xfrm>
-          <a:prstGeom prst="rect">
-            <a:avLst/>
-          </a:prstGeom>
-          <a:noFill/>
-        </p:spPr>
-        <p:txBody>
-          <a:bodyPr wrap="none" rtlCol="0">
-            <a:spAutoFit/>
-          </a:bodyPr>
-          <a:lstStyle/>
-          <a:p>
-            <a:r>
-              <a:rPr lang="fr-FR" b="1" dirty="0">
-                <a:solidFill>
-                  <a:schemeClr val="bg1"/>
-                </a:solidFill>
-              </a:rPr>
-              <a:t>.NET Standard</a:t>
-            </a:r>
-          </a:p>
-        </p:txBody>
-      </p:sp>
-      <p:sp>
-        <p:nvSpPr>
           <p:cNvPr id="15" name="Interdiction 14">
             <a:extLst>
               <a:ext uri="{FF2B5EF4-FFF2-40B4-BE49-F238E27FC236}">
@@ -19059,8 +19351,8 @@
         </p:nvSpPr>
         <p:spPr>
           <a:xfrm>
-            <a:off x="2620635" y="2572523"/>
-            <a:ext cx="2108141" cy="369332"/>
+            <a:off x="2027133" y="2540593"/>
+            <a:ext cx="2749920" cy="461665"/>
           </a:xfrm>
           <a:prstGeom prst="rect">
             <a:avLst/>
@@ -19074,7 +19366,7 @@
           <a:lstStyle/>
           <a:p>
             <a:r>
-              <a:rPr lang="fr-FR" b="1" dirty="0">
+              <a:rPr lang="fr-FR" sz="2400" b="1" dirty="0">
                 <a:solidFill>
                   <a:schemeClr val="bg1"/>
                 </a:solidFill>
@@ -19518,6 +19810,311 @@
           </a:p>
         </p:txBody>
       </p:sp>
+      <p:sp>
+        <p:nvSpPr>
+          <p:cNvPr id="14" name="ZoneTexte 13">
+            <a:extLst>
+              <a:ext uri="{FF2B5EF4-FFF2-40B4-BE49-F238E27FC236}">
+                <a16:creationId xmlns:a16="http://schemas.microsoft.com/office/drawing/2014/main" id="{7E99E524-ADCA-43F5-98B9-8DCCBC5AD123}"/>
+              </a:ext>
+            </a:extLst>
+          </p:cNvPr>
+          <p:cNvSpPr txBox="1"/>
+          <p:nvPr/>
+        </p:nvSpPr>
+        <p:spPr>
+          <a:xfrm>
+            <a:off x="882021" y="790754"/>
+            <a:ext cx="949299" cy="461665"/>
+          </a:xfrm>
+          <a:prstGeom prst="rect">
+            <a:avLst/>
+          </a:prstGeom>
+          <a:noFill/>
+        </p:spPr>
+        <p:txBody>
+          <a:bodyPr wrap="none" rtlCol="0">
+            <a:spAutoFit/>
+          </a:bodyPr>
+          <a:lstStyle/>
+          <a:p>
+            <a:r>
+              <a:rPr lang="fr-FR" sz="2400" b="1" dirty="0">
+                <a:solidFill>
+                  <a:schemeClr val="bg1"/>
+                </a:solidFill>
+              </a:rPr>
+              <a:t>Mono</a:t>
+            </a:r>
+          </a:p>
+        </p:txBody>
+      </p:sp>
+      <p:sp>
+        <p:nvSpPr>
+          <p:cNvPr id="16" name="ZoneTexte 15">
+            <a:extLst>
+              <a:ext uri="{FF2B5EF4-FFF2-40B4-BE49-F238E27FC236}">
+                <a16:creationId xmlns:a16="http://schemas.microsoft.com/office/drawing/2014/main" id="{C6071447-22A2-412C-AD73-12AD80F55EFC}"/>
+              </a:ext>
+            </a:extLst>
+          </p:cNvPr>
+          <p:cNvSpPr txBox="1"/>
+          <p:nvPr/>
+        </p:nvSpPr>
+        <p:spPr>
+          <a:xfrm>
+            <a:off x="2250625" y="4257058"/>
+            <a:ext cx="1429943" cy="461665"/>
+          </a:xfrm>
+          <a:prstGeom prst="rect">
+            <a:avLst/>
+          </a:prstGeom>
+          <a:noFill/>
+        </p:spPr>
+        <p:txBody>
+          <a:bodyPr wrap="none" rtlCol="0">
+            <a:spAutoFit/>
+          </a:bodyPr>
+          <a:lstStyle/>
+          <a:p>
+            <a:r>
+              <a:rPr lang="fr-FR" sz="2400" b="1" dirty="0">
+                <a:solidFill>
+                  <a:schemeClr val="bg1"/>
+                </a:solidFill>
+              </a:rPr>
+              <a:t>.NET </a:t>
+            </a:r>
+            <a:r>
+              <a:rPr lang="fr-FR" sz="2400" b="1" dirty="0" err="1">
+                <a:solidFill>
+                  <a:schemeClr val="bg1"/>
+                </a:solidFill>
+              </a:rPr>
+              <a:t>Core</a:t>
+            </a:r>
+            <a:endParaRPr lang="fr-FR" sz="2400" b="1" dirty="0">
+              <a:solidFill>
+                <a:schemeClr val="bg1"/>
+              </a:solidFill>
+            </a:endParaRPr>
+          </a:p>
+        </p:txBody>
+      </p:sp>
+      <p:sp>
+        <p:nvSpPr>
+          <p:cNvPr id="17" name="ZoneTexte 16">
+            <a:extLst>
+              <a:ext uri="{FF2B5EF4-FFF2-40B4-BE49-F238E27FC236}">
+                <a16:creationId xmlns:a16="http://schemas.microsoft.com/office/drawing/2014/main" id="{D47839BF-10A3-47CC-9AB2-C5EFCBE7BE74}"/>
+              </a:ext>
+            </a:extLst>
+          </p:cNvPr>
+          <p:cNvSpPr txBox="1"/>
+          <p:nvPr/>
+        </p:nvSpPr>
+        <p:spPr>
+          <a:xfrm>
+            <a:off x="6454434" y="2390100"/>
+            <a:ext cx="1537600" cy="707886"/>
+          </a:xfrm>
+          <a:prstGeom prst="rect">
+            <a:avLst/>
+          </a:prstGeom>
+          <a:noFill/>
+        </p:spPr>
+        <p:txBody>
+          <a:bodyPr wrap="none" rtlCol="0">
+            <a:spAutoFit/>
+          </a:bodyPr>
+          <a:lstStyle/>
+          <a:p>
+            <a:r>
+              <a:rPr lang="fr-FR" sz="4000" b="1" dirty="0">
+                <a:solidFill>
+                  <a:schemeClr val="bg1"/>
+                </a:solidFill>
+              </a:rPr>
+              <a:t>.NET 5</a:t>
+            </a:r>
+          </a:p>
+        </p:txBody>
+      </p:sp>
+      <p:sp>
+        <p:nvSpPr>
+          <p:cNvPr id="18" name="ZoneTexte 17">
+            <a:extLst>
+              <a:ext uri="{FF2B5EF4-FFF2-40B4-BE49-F238E27FC236}">
+                <a16:creationId xmlns:a16="http://schemas.microsoft.com/office/drawing/2014/main" id="{8E1DE528-94C7-4627-B6A4-8579C0896AC5}"/>
+              </a:ext>
+            </a:extLst>
+          </p:cNvPr>
+          <p:cNvSpPr txBox="1"/>
+          <p:nvPr/>
+        </p:nvSpPr>
+        <p:spPr>
+          <a:xfrm>
+            <a:off x="2254791" y="5446317"/>
+            <a:ext cx="1995675" cy="461665"/>
+          </a:xfrm>
+          <a:prstGeom prst="rect">
+            <a:avLst/>
+          </a:prstGeom>
+          <a:noFill/>
+        </p:spPr>
+        <p:txBody>
+          <a:bodyPr wrap="none" rtlCol="0">
+            <a:spAutoFit/>
+          </a:bodyPr>
+          <a:lstStyle/>
+          <a:p>
+            <a:r>
+              <a:rPr lang="fr-FR" sz="2400" b="1" dirty="0">
+                <a:solidFill>
+                  <a:schemeClr val="bg1"/>
+                </a:solidFill>
+              </a:rPr>
+              <a:t>.NET Standard</a:t>
+            </a:r>
+          </a:p>
+        </p:txBody>
+      </p:sp>
+      <p:pic>
+        <p:nvPicPr>
+          <p:cNvPr id="19" name="Picture 2" descr="Afficher l’image source">
+            <a:extLst>
+              <a:ext uri="{FF2B5EF4-FFF2-40B4-BE49-F238E27FC236}">
+                <a16:creationId xmlns:a16="http://schemas.microsoft.com/office/drawing/2014/main" id="{522ADC48-0E43-43C0-9AA7-AE35436B4B77}"/>
+              </a:ext>
+            </a:extLst>
+          </p:cNvPr>
+          <p:cNvPicPr>
+            <a:picLocks noChangeAspect="1" noChangeArrowheads="1"/>
+          </p:cNvPicPr>
+          <p:nvPr/>
+        </p:nvPicPr>
+        <p:blipFill>
+          <a:blip r:embed="rId7">
+            <a:extLst>
+              <a:ext uri="{28A0092B-C50C-407E-A947-70E740481C1C}">
+                <a14:useLocalDpi xmlns:a14="http://schemas.microsoft.com/office/drawing/2010/main" val="0"/>
+              </a:ext>
+            </a:extLst>
+          </a:blip>
+          <a:srcRect/>
+          <a:stretch>
+            <a:fillRect/>
+          </a:stretch>
+        </p:blipFill>
+        <p:spPr bwMode="auto">
+          <a:xfrm>
+            <a:off x="4192327" y="161088"/>
+            <a:ext cx="216465" cy="216465"/>
+          </a:xfrm>
+          <a:prstGeom prst="rect">
+            <a:avLst/>
+          </a:prstGeom>
+          <a:noFill/>
+          <a:extLst>
+            <a:ext uri="{909E8E84-426E-40DD-AFC4-6F175D3DCCD1}">
+              <a14:hiddenFill xmlns:a14="http://schemas.microsoft.com/office/drawing/2010/main">
+                <a:solidFill>
+                  <a:srgbClr val="FFFFFF"/>
+                </a:solidFill>
+              </a14:hiddenFill>
+            </a:ext>
+          </a:extLst>
+        </p:spPr>
+      </p:pic>
+      <p:sp>
+        <p:nvSpPr>
+          <p:cNvPr id="20" name="Rectangle 19">
+            <a:extLst>
+              <a:ext uri="{FF2B5EF4-FFF2-40B4-BE49-F238E27FC236}">
+                <a16:creationId xmlns:a16="http://schemas.microsoft.com/office/drawing/2014/main" id="{6AECCCE6-9A80-45DC-905A-E21301077D7C}"/>
+              </a:ext>
+            </a:extLst>
+          </p:cNvPr>
+          <p:cNvSpPr/>
+          <p:nvPr/>
+        </p:nvSpPr>
+        <p:spPr>
+          <a:xfrm>
+            <a:off x="4038790" y="-54640"/>
+            <a:ext cx="585417" cy="261610"/>
+          </a:xfrm>
+          <a:prstGeom prst="rect">
+            <a:avLst/>
+          </a:prstGeom>
+        </p:spPr>
+        <p:txBody>
+          <a:bodyPr wrap="none">
+            <a:spAutoFit/>
+          </a:bodyPr>
+          <a:lstStyle/>
+          <a:p>
+            <a:r>
+              <a:rPr lang="fr-FR" sz="1100" dirty="0">
+                <a:solidFill>
+                  <a:schemeClr val="bg1">
+                    <a:lumMod val="50000"/>
+                  </a:schemeClr>
+                </a:solidFill>
+                <a:latin typeface="Arial" panose="020B0604020202020204" pitchFamily="34" charset="0"/>
+                <a:cs typeface="Arial" panose="020B0604020202020204" pitchFamily="34" charset="0"/>
+              </a:rPr>
+              <a:t>Blazor</a:t>
+            </a:r>
+          </a:p>
+        </p:txBody>
+      </p:sp>
+      <p:pic>
+        <p:nvPicPr>
+          <p:cNvPr id="21" name="Picture 2" descr="Afficher l’image source">
+            <a:extLst>
+              <a:ext uri="{FF2B5EF4-FFF2-40B4-BE49-F238E27FC236}">
+                <a16:creationId xmlns:a16="http://schemas.microsoft.com/office/drawing/2014/main" id="{14A2B2A0-76D8-4D2B-A93C-912A214BF8E7}"/>
+              </a:ext>
+            </a:extLst>
+          </p:cNvPr>
+          <p:cNvPicPr>
+            <a:picLocks noChangeAspect="1" noChangeArrowheads="1"/>
+          </p:cNvPicPr>
+          <p:nvPr/>
+        </p:nvPicPr>
+        <p:blipFill>
+          <a:blip r:embed="rId7">
+            <a:extLst>
+              <a:ext uri="{28A0092B-C50C-407E-A947-70E740481C1C}">
+                <a14:useLocalDpi xmlns:a14="http://schemas.microsoft.com/office/drawing/2010/main" val="0"/>
+              </a:ext>
+            </a:extLst>
+          </a:blip>
+          <a:srcRect/>
+          <a:stretch>
+            <a:fillRect/>
+          </a:stretch>
+        </p:blipFill>
+        <p:spPr bwMode="auto">
+          <a:xfrm>
+            <a:off x="6732281" y="1765006"/>
+            <a:ext cx="310594" cy="310592"/>
+          </a:xfrm>
+          <a:prstGeom prst="rect">
+            <a:avLst/>
+          </a:prstGeom>
+          <a:noFill/>
+          <a:extLst>
+            <a:ext uri="{909E8E84-426E-40DD-AFC4-6F175D3DCCD1}">
+              <a14:hiddenFill xmlns:a14="http://schemas.microsoft.com/office/drawing/2010/main">
+                <a:solidFill>
+                  <a:srgbClr val="FFFFFF"/>
+                </a:solidFill>
+              </a14:hiddenFill>
+            </a:ext>
+          </a:extLst>
+        </p:spPr>
+      </p:pic>
     </p:spTree>
     <p:extLst>
       <p:ext uri="{BB962C8B-B14F-4D97-AF65-F5344CB8AC3E}">

--- a/documentations/Dotnet vs dotnet core.pptx
+++ b/documentations/Dotnet vs dotnet core.pptx
@@ -17,6 +17,11 @@
     <p:sldId id="265" r:id="rId11"/>
     <p:sldId id="264" r:id="rId12"/>
     <p:sldId id="273" r:id="rId13"/>
+    <p:sldId id="274" r:id="rId14"/>
+    <p:sldId id="275" r:id="rId15"/>
+    <p:sldId id="320" r:id="rId16"/>
+    <p:sldId id="322" r:id="rId17"/>
+    <p:sldId id="318" r:id="rId18"/>
   </p:sldIdLst>
   <p:sldSz cx="12192000" cy="6858000"/>
   <p:notesSz cx="6858000" cy="9144000"/>
@@ -270,7 +275,7 @@
           <a:p>
             <a:fld id="{69D368ED-5D89-455D-BBC2-27B161925E43}" type="datetimeFigureOut">
               <a:rPr lang="fr-FR" smtClean="0"/>
-              <a:t>09/11/2020</a:t>
+              <a:t>17/09/2021</a:t>
             </a:fld>
             <a:endParaRPr lang="fr-FR"/>
           </a:p>
@@ -468,7 +473,7 @@
           <a:p>
             <a:fld id="{69D368ED-5D89-455D-BBC2-27B161925E43}" type="datetimeFigureOut">
               <a:rPr lang="fr-FR" smtClean="0"/>
-              <a:t>09/11/2020</a:t>
+              <a:t>17/09/2021</a:t>
             </a:fld>
             <a:endParaRPr lang="fr-FR"/>
           </a:p>
@@ -676,7 +681,7 @@
           <a:p>
             <a:fld id="{69D368ED-5D89-455D-BBC2-27B161925E43}" type="datetimeFigureOut">
               <a:rPr lang="fr-FR" smtClean="0"/>
-              <a:t>09/11/2020</a:t>
+              <a:t>17/09/2021</a:t>
             </a:fld>
             <a:endParaRPr lang="fr-FR"/>
           </a:p>
@@ -746,6 +751,137 @@
   <p:clrMapOvr>
     <a:masterClrMapping/>
   </p:clrMapOvr>
+</p:sldLayout>
+</file>
+
+<file path=ppt/slideLayouts/slideLayout12.xml><?xml version="1.0" encoding="utf-8"?>
+<p:sldLayout xmlns:a="http://schemas.openxmlformats.org/drawingml/2006/main" xmlns:r="http://schemas.openxmlformats.org/officeDocument/2006/relationships" xmlns:p="http://schemas.openxmlformats.org/presentationml/2006/main" type="tx">
+  <p:cSld name="Titre et texte">
+    <p:spTree>
+      <p:nvGrpSpPr>
+        <p:cNvPr id="1" name=""/>
+        <p:cNvGrpSpPr/>
+        <p:nvPr/>
+      </p:nvGrpSpPr>
+      <p:grpSpPr>
+        <a:xfrm>
+          <a:off x="0" y="0"/>
+          <a:ext cx="0" cy="0"/>
+          <a:chOff x="0" y="0"/>
+          <a:chExt cx="0" cy="0"/>
+        </a:xfrm>
+      </p:grpSpPr>
+      <p:sp>
+        <p:nvSpPr>
+          <p:cNvPr id="52" name="Shape 52"/>
+          <p:cNvSpPr>
+            <a:spLocks noGrp="1"/>
+          </p:cNvSpPr>
+          <p:nvPr>
+            <p:ph type="title"/>
+          </p:nvPr>
+        </p:nvSpPr>
+        <p:spPr>
+          <a:prstGeom prst="rect">
+            <a:avLst/>
+          </a:prstGeom>
+        </p:spPr>
+        <p:txBody>
+          <a:bodyPr/>
+          <a:lstStyle/>
+          <a:p>
+            <a:r>
+              <a:t>Texte du titre</a:t>
+            </a:r>
+          </a:p>
+        </p:txBody>
+      </p:sp>
+      <p:sp>
+        <p:nvSpPr>
+          <p:cNvPr id="53" name="Shape 53"/>
+          <p:cNvSpPr>
+            <a:spLocks noGrp="1"/>
+          </p:cNvSpPr>
+          <p:nvPr>
+            <p:ph type="sldNum" sz="quarter" idx="2"/>
+          </p:nvPr>
+        </p:nvSpPr>
+        <p:spPr>
+          <a:prstGeom prst="rect">
+            <a:avLst/>
+          </a:prstGeom>
+        </p:spPr>
+        <p:txBody>
+          <a:bodyPr/>
+          <a:lstStyle/>
+          <a:p>
+            <a:fld id="{86CB4B4D-7CA3-9044-876B-883B54F8677D}" type="slidenum">
+              <a:t>‹N°›</a:t>
+            </a:fld>
+            <a:endParaRPr/>
+          </a:p>
+        </p:txBody>
+      </p:sp>
+      <p:sp>
+        <p:nvSpPr>
+          <p:cNvPr id="54" name="Shape 54"/>
+          <p:cNvSpPr>
+            <a:spLocks noGrp="1"/>
+          </p:cNvSpPr>
+          <p:nvPr>
+            <p:ph type="body" idx="1"/>
+          </p:nvPr>
+        </p:nvSpPr>
+        <p:spPr>
+          <a:prstGeom prst="rect">
+            <a:avLst/>
+          </a:prstGeom>
+        </p:spPr>
+        <p:txBody>
+          <a:bodyPr/>
+          <a:lstStyle/>
+          <a:p>
+            <a:r>
+              <a:t>Texte niveau 1</a:t>
+            </a:r>
+          </a:p>
+          <a:p>
+            <a:pPr lvl="1"/>
+            <a:r>
+              <a:t>Texte niveau 2</a:t>
+            </a:r>
+          </a:p>
+          <a:p>
+            <a:pPr lvl="2"/>
+            <a:r>
+              <a:t>Texte niveau 3</a:t>
+            </a:r>
+          </a:p>
+          <a:p>
+            <a:pPr lvl="3"/>
+            <a:r>
+              <a:t>Texte niveau 4</a:t>
+            </a:r>
+          </a:p>
+          <a:p>
+            <a:pPr lvl="4"/>
+            <a:r>
+              <a:t>Texte niveau 5</a:t>
+            </a:r>
+          </a:p>
+        </p:txBody>
+      </p:sp>
+    </p:spTree>
+    <p:extLst>
+      <p:ext uri="{BB962C8B-B14F-4D97-AF65-F5344CB8AC3E}">
+        <p14:creationId xmlns:p14="http://schemas.microsoft.com/office/powerpoint/2010/main" val="2588376363"/>
+      </p:ext>
+    </p:extLst>
+  </p:cSld>
+  <p:clrMapOvr>
+    <a:masterClrMapping/>
+  </p:clrMapOvr>
+  <p:transition spd="med"/>
 </p:sldLayout>
 </file>
 
@@ -874,7 +1010,7 @@
           <a:p>
             <a:fld id="{69D368ED-5D89-455D-BBC2-27B161925E43}" type="datetimeFigureOut">
               <a:rPr lang="fr-FR" smtClean="0"/>
-              <a:t>09/11/2020</a:t>
+              <a:t>17/09/2021</a:t>
             </a:fld>
             <a:endParaRPr lang="fr-FR"/>
           </a:p>
@@ -1149,7 +1285,7 @@
           <a:p>
             <a:fld id="{69D368ED-5D89-455D-BBC2-27B161925E43}" type="datetimeFigureOut">
               <a:rPr lang="fr-FR" smtClean="0"/>
-              <a:t>09/11/2020</a:t>
+              <a:t>17/09/2021</a:t>
             </a:fld>
             <a:endParaRPr lang="fr-FR"/>
           </a:p>
@@ -1414,7 +1550,7 @@
           <a:p>
             <a:fld id="{69D368ED-5D89-455D-BBC2-27B161925E43}" type="datetimeFigureOut">
               <a:rPr lang="fr-FR" smtClean="0"/>
-              <a:t>09/11/2020</a:t>
+              <a:t>17/09/2021</a:t>
             </a:fld>
             <a:endParaRPr lang="fr-FR"/>
           </a:p>
@@ -1826,7 +1962,7 @@
           <a:p>
             <a:fld id="{69D368ED-5D89-455D-BBC2-27B161925E43}" type="datetimeFigureOut">
               <a:rPr lang="fr-FR" smtClean="0"/>
-              <a:t>09/11/2020</a:t>
+              <a:t>17/09/2021</a:t>
             </a:fld>
             <a:endParaRPr lang="fr-FR"/>
           </a:p>
@@ -1967,7 +2103,7 @@
           <a:p>
             <a:fld id="{69D368ED-5D89-455D-BBC2-27B161925E43}" type="datetimeFigureOut">
               <a:rPr lang="fr-FR" smtClean="0"/>
-              <a:t>09/11/2020</a:t>
+              <a:t>17/09/2021</a:t>
             </a:fld>
             <a:endParaRPr lang="fr-FR"/>
           </a:p>
@@ -2080,7 +2216,7 @@
           <a:p>
             <a:fld id="{69D368ED-5D89-455D-BBC2-27B161925E43}" type="datetimeFigureOut">
               <a:rPr lang="fr-FR" smtClean="0"/>
-              <a:t>09/11/2020</a:t>
+              <a:t>17/09/2021</a:t>
             </a:fld>
             <a:endParaRPr lang="fr-FR"/>
           </a:p>
@@ -2391,7 +2527,7 @@
           <a:p>
             <a:fld id="{69D368ED-5D89-455D-BBC2-27B161925E43}" type="datetimeFigureOut">
               <a:rPr lang="fr-FR" smtClean="0"/>
-              <a:t>09/11/2020</a:t>
+              <a:t>17/09/2021</a:t>
             </a:fld>
             <a:endParaRPr lang="fr-FR"/>
           </a:p>
@@ -2679,7 +2815,7 @@
           <a:p>
             <a:fld id="{69D368ED-5D89-455D-BBC2-27B161925E43}" type="datetimeFigureOut">
               <a:rPr lang="fr-FR" smtClean="0"/>
-              <a:t>09/11/2020</a:t>
+              <a:t>17/09/2021</a:t>
             </a:fld>
             <a:endParaRPr lang="fr-FR"/>
           </a:p>
@@ -2920,7 +3056,7 @@
           <a:p>
             <a:fld id="{69D368ED-5D89-455D-BBC2-27B161925E43}" type="datetimeFigureOut">
               <a:rPr lang="fr-FR" smtClean="0"/>
-              <a:t>09/11/2020</a:t>
+              <a:t>17/09/2021</a:t>
             </a:fld>
             <a:endParaRPr lang="fr-FR"/>
           </a:p>
@@ -3036,6 +3172,7 @@
     <p:sldLayoutId id="2147483657" r:id="rId9"/>
     <p:sldLayoutId id="2147483658" r:id="rId10"/>
     <p:sldLayoutId id="2147483659" r:id="rId11"/>
+    <p:sldLayoutId id="2147483660" r:id="rId12"/>
   </p:sldLayoutIdLst>
   <p:txStyles>
     <p:titleStyle>
@@ -10815,6 +10952,590 @@
 </p:sld>
 </file>
 
+<file path=ppt/slides/slide13.xml><?xml version="1.0" encoding="utf-8"?>
+<p:sld xmlns:a="http://schemas.openxmlformats.org/drawingml/2006/main" xmlns:r="http://schemas.openxmlformats.org/officeDocument/2006/relationships" xmlns:p="http://schemas.openxmlformats.org/presentationml/2006/main">
+  <p:cSld>
+    <p:spTree>
+      <p:nvGrpSpPr>
+        <p:cNvPr id="1" name=""/>
+        <p:cNvGrpSpPr/>
+        <p:nvPr/>
+      </p:nvGrpSpPr>
+      <p:grpSpPr>
+        <a:xfrm>
+          <a:off x="0" y="0"/>
+          <a:ext cx="0" cy="0"/>
+          <a:chOff x="0" y="0"/>
+          <a:chExt cx="0" cy="0"/>
+        </a:xfrm>
+      </p:grpSpPr>
+      <p:sp>
+        <p:nvSpPr>
+          <p:cNvPr id="2" name="Titre 1">
+            <a:extLst>
+              <a:ext uri="{FF2B5EF4-FFF2-40B4-BE49-F238E27FC236}">
+                <a16:creationId xmlns:a16="http://schemas.microsoft.com/office/drawing/2014/main" id="{DBF6BB0A-E9AB-40A2-A95F-6FA2E6001439}"/>
+              </a:ext>
+            </a:extLst>
+          </p:cNvPr>
+          <p:cNvSpPr>
+            <a:spLocks noGrp="1"/>
+          </p:cNvSpPr>
+          <p:nvPr>
+            <p:ph type="title"/>
+          </p:nvPr>
+        </p:nvSpPr>
+        <p:spPr/>
+        <p:txBody>
+          <a:bodyPr/>
+          <a:lstStyle/>
+          <a:p>
+            <a:endParaRPr lang="fr-FR"/>
+          </a:p>
+        </p:txBody>
+      </p:sp>
+      <p:sp>
+        <p:nvSpPr>
+          <p:cNvPr id="3" name="Espace réservé du contenu 2">
+            <a:extLst>
+              <a:ext uri="{FF2B5EF4-FFF2-40B4-BE49-F238E27FC236}">
+                <a16:creationId xmlns:a16="http://schemas.microsoft.com/office/drawing/2014/main" id="{2AAA0631-B002-4C06-9CAB-94B67AB89DF9}"/>
+              </a:ext>
+            </a:extLst>
+          </p:cNvPr>
+          <p:cNvSpPr>
+            <a:spLocks noGrp="1"/>
+          </p:cNvSpPr>
+          <p:nvPr>
+            <p:ph idx="1"/>
+          </p:nvPr>
+        </p:nvSpPr>
+        <p:spPr/>
+        <p:txBody>
+          <a:bodyPr/>
+          <a:lstStyle/>
+          <a:p>
+            <a:endParaRPr lang="fr-FR"/>
+          </a:p>
+        </p:txBody>
+      </p:sp>
+    </p:spTree>
+    <p:extLst>
+      <p:ext uri="{BB962C8B-B14F-4D97-AF65-F5344CB8AC3E}">
+        <p14:creationId xmlns:p14="http://schemas.microsoft.com/office/powerpoint/2010/main" val="272979269"/>
+      </p:ext>
+    </p:extLst>
+  </p:cSld>
+  <p:clrMapOvr>
+    <a:masterClrMapping/>
+  </p:clrMapOvr>
+</p:sld>
+</file>
+
+<file path=ppt/slides/slide14.xml><?xml version="1.0" encoding="utf-8"?>
+<p:sld xmlns:a="http://schemas.openxmlformats.org/drawingml/2006/main" xmlns:r="http://schemas.openxmlformats.org/officeDocument/2006/relationships" xmlns:p="http://schemas.openxmlformats.org/presentationml/2006/main">
+  <p:cSld>
+    <p:spTree>
+      <p:nvGrpSpPr>
+        <p:cNvPr id="1" name=""/>
+        <p:cNvGrpSpPr/>
+        <p:nvPr/>
+      </p:nvGrpSpPr>
+      <p:grpSpPr>
+        <a:xfrm>
+          <a:off x="0" y="0"/>
+          <a:ext cx="0" cy="0"/>
+          <a:chOff x="0" y="0"/>
+          <a:chExt cx="0" cy="0"/>
+        </a:xfrm>
+      </p:grpSpPr>
+      <p:sp>
+        <p:nvSpPr>
+          <p:cNvPr id="2" name="Titre 1">
+            <a:extLst>
+              <a:ext uri="{FF2B5EF4-FFF2-40B4-BE49-F238E27FC236}">
+                <a16:creationId xmlns:a16="http://schemas.microsoft.com/office/drawing/2014/main" id="{155BC91F-D7A3-4F1C-80F2-B304EB09B2C4}"/>
+              </a:ext>
+            </a:extLst>
+          </p:cNvPr>
+          <p:cNvSpPr>
+            <a:spLocks noGrp="1"/>
+          </p:cNvSpPr>
+          <p:nvPr>
+            <p:ph type="title"/>
+          </p:nvPr>
+        </p:nvSpPr>
+        <p:spPr/>
+        <p:txBody>
+          <a:bodyPr/>
+          <a:lstStyle/>
+          <a:p>
+            <a:endParaRPr lang="fr-FR"/>
+          </a:p>
+        </p:txBody>
+      </p:sp>
+      <p:sp>
+        <p:nvSpPr>
+          <p:cNvPr id="3" name="Espace réservé du contenu 2">
+            <a:extLst>
+              <a:ext uri="{FF2B5EF4-FFF2-40B4-BE49-F238E27FC236}">
+                <a16:creationId xmlns:a16="http://schemas.microsoft.com/office/drawing/2014/main" id="{2500C4E6-D85C-4CB5-A0D4-E3BE56725D27}"/>
+              </a:ext>
+            </a:extLst>
+          </p:cNvPr>
+          <p:cNvSpPr>
+            <a:spLocks noGrp="1"/>
+          </p:cNvSpPr>
+          <p:nvPr>
+            <p:ph idx="1"/>
+          </p:nvPr>
+        </p:nvSpPr>
+        <p:spPr/>
+        <p:txBody>
+          <a:bodyPr/>
+          <a:lstStyle/>
+          <a:p>
+            <a:endParaRPr lang="fr-FR"/>
+          </a:p>
+        </p:txBody>
+      </p:sp>
+    </p:spTree>
+    <p:extLst>
+      <p:ext uri="{BB962C8B-B14F-4D97-AF65-F5344CB8AC3E}">
+        <p14:creationId xmlns:p14="http://schemas.microsoft.com/office/powerpoint/2010/main" val="53857820"/>
+      </p:ext>
+    </p:extLst>
+  </p:cSld>
+  <p:clrMapOvr>
+    <a:masterClrMapping/>
+  </p:clrMapOvr>
+</p:sld>
+</file>
+
+<file path=ppt/slides/slide15.xml><?xml version="1.0" encoding="utf-8"?>
+<p:sld xmlns:a="http://schemas.openxmlformats.org/drawingml/2006/main" xmlns:r="http://schemas.openxmlformats.org/officeDocument/2006/relationships" xmlns:p="http://schemas.openxmlformats.org/presentationml/2006/main">
+  <p:cSld>
+    <p:spTree>
+      <p:nvGrpSpPr>
+        <p:cNvPr id="1" name=""/>
+        <p:cNvGrpSpPr/>
+        <p:nvPr/>
+      </p:nvGrpSpPr>
+      <p:grpSpPr>
+        <a:xfrm>
+          <a:off x="0" y="0"/>
+          <a:ext cx="0" cy="0"/>
+          <a:chOff x="0" y="0"/>
+          <a:chExt cx="0" cy="0"/>
+        </a:xfrm>
+      </p:grpSpPr>
+      <p:sp>
+        <p:nvSpPr>
+          <p:cNvPr id="2" name="Titre 1">
+            <a:extLst>
+              <a:ext uri="{FF2B5EF4-FFF2-40B4-BE49-F238E27FC236}">
+                <a16:creationId xmlns:a16="http://schemas.microsoft.com/office/drawing/2014/main" id="{447882D3-DDA3-42B8-A7C5-4DD95C840FF6}"/>
+              </a:ext>
+            </a:extLst>
+          </p:cNvPr>
+          <p:cNvSpPr>
+            <a:spLocks noGrp="1"/>
+          </p:cNvSpPr>
+          <p:nvPr>
+            <p:ph type="title"/>
+          </p:nvPr>
+        </p:nvSpPr>
+        <p:spPr>
+          <a:xfrm>
+            <a:off x="838200" y="18255"/>
+            <a:ext cx="10515600" cy="1325563"/>
+          </a:xfrm>
+        </p:spPr>
+        <p:txBody>
+          <a:bodyPr/>
+          <a:lstStyle/>
+          <a:p>
+            <a:r>
+              <a:rPr lang="fr-FR" dirty="0" err="1"/>
+              <a:t>History</a:t>
+            </a:r>
+            <a:endParaRPr lang="fr-FR" dirty="0"/>
+          </a:p>
+        </p:txBody>
+      </p:sp>
+      <p:sp>
+        <p:nvSpPr>
+          <p:cNvPr id="3" name="Espace réservé du texte 2">
+            <a:extLst>
+              <a:ext uri="{FF2B5EF4-FFF2-40B4-BE49-F238E27FC236}">
+                <a16:creationId xmlns:a16="http://schemas.microsoft.com/office/drawing/2014/main" id="{C92233D8-1043-4F7D-B2F3-5646F8F27A63}"/>
+              </a:ext>
+            </a:extLst>
+          </p:cNvPr>
+          <p:cNvSpPr>
+            <a:spLocks noGrp="1"/>
+          </p:cNvSpPr>
+          <p:nvPr>
+            <p:ph type="body" idx="1"/>
+          </p:nvPr>
+        </p:nvSpPr>
+        <p:spPr/>
+        <p:txBody>
+          <a:bodyPr/>
+          <a:lstStyle/>
+          <a:p>
+            <a:endParaRPr lang="fr-FR"/>
+          </a:p>
+        </p:txBody>
+      </p:sp>
+      <p:pic>
+        <p:nvPicPr>
+          <p:cNvPr id="5" name="Content Placeholder 3">
+            <a:extLst>
+              <a:ext uri="{FF2B5EF4-FFF2-40B4-BE49-F238E27FC236}">
+                <a16:creationId xmlns:a16="http://schemas.microsoft.com/office/drawing/2014/main" id="{C9A60272-8BD5-4D22-B45A-36B59439305C}"/>
+              </a:ext>
+            </a:extLst>
+          </p:cNvPr>
+          <p:cNvPicPr>
+            <a:picLocks noChangeAspect="1"/>
+          </p:cNvPicPr>
+          <p:nvPr/>
+        </p:nvPicPr>
+        <p:blipFill>
+          <a:blip r:embed="rId2"/>
+          <a:stretch>
+            <a:fillRect/>
+          </a:stretch>
+        </p:blipFill>
+        <p:spPr>
+          <a:xfrm>
+            <a:off x="844685" y="1458000"/>
+            <a:ext cx="10008807" cy="5400000"/>
+          </a:xfrm>
+          <a:prstGeom prst="rect">
+            <a:avLst/>
+          </a:prstGeom>
+          <a:ln w="12700">
+            <a:miter lim="400000"/>
+          </a:ln>
+          <a:extLst>
+            <a:ext uri="{C572A759-6A51-4108-AA02-DFA0A04FC94B}">
+              <ma14:wrappingTextBoxFlag xmlns:ma14="http://schemas.microsoft.com/office/mac/drawingml/2011/main" xmlns="" val="1"/>
+            </a:ext>
+          </a:extLst>
+        </p:spPr>
+      </p:pic>
+    </p:spTree>
+    <p:extLst>
+      <p:ext uri="{BB962C8B-B14F-4D97-AF65-F5344CB8AC3E}">
+        <p14:creationId xmlns:p14="http://schemas.microsoft.com/office/powerpoint/2010/main" val="183660603"/>
+      </p:ext>
+    </p:extLst>
+  </p:cSld>
+  <p:clrMapOvr>
+    <a:masterClrMapping/>
+  </p:clrMapOvr>
+  <p:transition spd="med"/>
+</p:sld>
+</file>
+
+<file path=ppt/slides/slide16.xml><?xml version="1.0" encoding="utf-8"?>
+<p:sld xmlns:a="http://schemas.openxmlformats.org/drawingml/2006/main" xmlns:r="http://schemas.openxmlformats.org/officeDocument/2006/relationships" xmlns:p="http://schemas.openxmlformats.org/presentationml/2006/main">
+  <p:cSld>
+    <p:spTree>
+      <p:nvGrpSpPr>
+        <p:cNvPr id="1" name=""/>
+        <p:cNvGrpSpPr/>
+        <p:nvPr/>
+      </p:nvGrpSpPr>
+      <p:grpSpPr>
+        <a:xfrm>
+          <a:off x="0" y="0"/>
+          <a:ext cx="0" cy="0"/>
+          <a:chOff x="0" y="0"/>
+          <a:chExt cx="0" cy="0"/>
+        </a:xfrm>
+      </p:grpSpPr>
+      <p:sp>
+        <p:nvSpPr>
+          <p:cNvPr id="2" name="Titre 1">
+            <a:extLst>
+              <a:ext uri="{FF2B5EF4-FFF2-40B4-BE49-F238E27FC236}">
+                <a16:creationId xmlns:a16="http://schemas.microsoft.com/office/drawing/2014/main" id="{3477A1A3-5286-4C72-A86B-93407934416E}"/>
+              </a:ext>
+            </a:extLst>
+          </p:cNvPr>
+          <p:cNvSpPr>
+            <a:spLocks noGrp="1"/>
+          </p:cNvSpPr>
+          <p:nvPr>
+            <p:ph type="title"/>
+          </p:nvPr>
+        </p:nvSpPr>
+        <p:spPr>
+          <a:xfrm>
+            <a:off x="838200" y="1"/>
+            <a:ext cx="10515600" cy="1361872"/>
+          </a:xfrm>
+        </p:spPr>
+        <p:txBody>
+          <a:bodyPr/>
+          <a:lstStyle/>
+          <a:p>
+            <a:r>
+              <a:rPr lang="fr-FR" dirty="0" err="1"/>
+              <a:t>History</a:t>
+            </a:r>
+            <a:endParaRPr lang="fr-FR" dirty="0"/>
+          </a:p>
+        </p:txBody>
+      </p:sp>
+      <p:sp>
+        <p:nvSpPr>
+          <p:cNvPr id="3" name="Espace réservé du texte 2">
+            <a:extLst>
+              <a:ext uri="{FF2B5EF4-FFF2-40B4-BE49-F238E27FC236}">
+                <a16:creationId xmlns:a16="http://schemas.microsoft.com/office/drawing/2014/main" id="{69873FE5-8D35-49BC-9007-3728F48970F0}"/>
+              </a:ext>
+            </a:extLst>
+          </p:cNvPr>
+          <p:cNvSpPr>
+            <a:spLocks noGrp="1"/>
+          </p:cNvSpPr>
+          <p:nvPr>
+            <p:ph type="body" idx="1"/>
+          </p:nvPr>
+        </p:nvSpPr>
+        <p:spPr/>
+        <p:txBody>
+          <a:bodyPr/>
+          <a:lstStyle/>
+          <a:p>
+            <a:endParaRPr lang="fr-FR"/>
+          </a:p>
+        </p:txBody>
+      </p:sp>
+      <p:pic>
+        <p:nvPicPr>
+          <p:cNvPr id="5" name="Content Placeholder 4">
+            <a:extLst>
+              <a:ext uri="{FF2B5EF4-FFF2-40B4-BE49-F238E27FC236}">
+                <a16:creationId xmlns:a16="http://schemas.microsoft.com/office/drawing/2014/main" id="{A6811CBF-66B4-4822-A85F-A2024CB3DAE2}"/>
+              </a:ext>
+            </a:extLst>
+          </p:cNvPr>
+          <p:cNvPicPr>
+            <a:picLocks noChangeAspect="1"/>
+          </p:cNvPicPr>
+          <p:nvPr/>
+        </p:nvPicPr>
+        <p:blipFill>
+          <a:blip r:embed="rId2"/>
+          <a:stretch>
+            <a:fillRect/>
+          </a:stretch>
+        </p:blipFill>
+        <p:spPr>
+          <a:xfrm>
+            <a:off x="905788" y="1458000"/>
+            <a:ext cx="10010772" cy="5400000"/>
+          </a:xfrm>
+          <a:prstGeom prst="rect">
+            <a:avLst/>
+          </a:prstGeom>
+        </p:spPr>
+      </p:pic>
+    </p:spTree>
+    <p:extLst>
+      <p:ext uri="{BB962C8B-B14F-4D97-AF65-F5344CB8AC3E}">
+        <p14:creationId xmlns:p14="http://schemas.microsoft.com/office/powerpoint/2010/main" val="879707073"/>
+      </p:ext>
+    </p:extLst>
+  </p:cSld>
+  <p:clrMapOvr>
+    <a:masterClrMapping/>
+  </p:clrMapOvr>
+  <p:transition spd="med"/>
+</p:sld>
+</file>
+
+<file path=ppt/slides/slide17.xml><?xml version="1.0" encoding="utf-8"?>
+<p:sld xmlns:a="http://schemas.openxmlformats.org/drawingml/2006/main" xmlns:r="http://schemas.openxmlformats.org/officeDocument/2006/relationships" xmlns:p="http://schemas.openxmlformats.org/presentationml/2006/main">
+  <p:cSld>
+    <p:spTree>
+      <p:nvGrpSpPr>
+        <p:cNvPr id="1" name=""/>
+        <p:cNvGrpSpPr/>
+        <p:nvPr/>
+      </p:nvGrpSpPr>
+      <p:grpSpPr>
+        <a:xfrm>
+          <a:off x="0" y="0"/>
+          <a:ext cx="0" cy="0"/>
+          <a:chOff x="0" y="0"/>
+          <a:chExt cx="0" cy="0"/>
+        </a:xfrm>
+      </p:grpSpPr>
+      <p:pic>
+        <p:nvPicPr>
+          <p:cNvPr id="8" name="Image 7">
+            <a:extLst>
+              <a:ext uri="{FF2B5EF4-FFF2-40B4-BE49-F238E27FC236}">
+                <a16:creationId xmlns:a16="http://schemas.microsoft.com/office/drawing/2014/main" id="{0903B185-0116-4691-B23B-A8918DD3FA7E}"/>
+              </a:ext>
+            </a:extLst>
+          </p:cNvPr>
+          <p:cNvPicPr>
+            <a:picLocks noChangeAspect="1"/>
+          </p:cNvPicPr>
+          <p:nvPr/>
+        </p:nvPicPr>
+        <p:blipFill rotWithShape="1">
+          <a:blip r:embed="rId2"/>
+          <a:srcRect t="1330"/>
+          <a:stretch/>
+        </p:blipFill>
+        <p:spPr>
+          <a:xfrm>
+            <a:off x="76024" y="1081488"/>
+            <a:ext cx="12115976" cy="5536025"/>
+          </a:xfrm>
+          <a:prstGeom prst="rect">
+            <a:avLst/>
+          </a:prstGeom>
+        </p:spPr>
+      </p:pic>
+      <p:sp>
+        <p:nvSpPr>
+          <p:cNvPr id="5" name="Rectangle 4">
+            <a:extLst>
+              <a:ext uri="{FF2B5EF4-FFF2-40B4-BE49-F238E27FC236}">
+                <a16:creationId xmlns:a16="http://schemas.microsoft.com/office/drawing/2014/main" id="{836CE752-CD76-4120-B911-C8789C2315AF}"/>
+              </a:ext>
+            </a:extLst>
+          </p:cNvPr>
+          <p:cNvSpPr/>
+          <p:nvPr/>
+        </p:nvSpPr>
+        <p:spPr>
+          <a:xfrm>
+            <a:off x="241097" y="6500943"/>
+            <a:ext cx="9110507" cy="369332"/>
+          </a:xfrm>
+          <a:prstGeom prst="rect">
+            <a:avLst/>
+          </a:prstGeom>
+        </p:spPr>
+        <p:txBody>
+          <a:bodyPr wrap="none">
+            <a:spAutoFit/>
+          </a:bodyPr>
+          <a:lstStyle/>
+          <a:p>
+            <a:r>
+              <a:rPr lang="fr-FR" dirty="0">
+                <a:hlinkClick r:id="rId3"/>
+              </a:rPr>
+              <a:t>https://docs.microsoft.com/fr-fr/dotnet/standard/net-standard</a:t>
+            </a:r>
+            <a:r>
+              <a:rPr lang="en-US" sz="1800" dirty="0">
+                <a:solidFill>
+                  <a:srgbClr val="000000"/>
+                </a:solidFill>
+                <a:effectLst/>
+                <a:latin typeface="Calibri" panose="020F0502020204030204" pitchFamily="34" charset="0"/>
+                <a:ea typeface="Times New Roman" panose="02020603050405020304" pitchFamily="18" charset="0"/>
+                <a:cs typeface="Calibri" panose="020F0502020204030204" pitchFamily="34" charset="0"/>
+                <a:hlinkClick r:id="rId3"/>
+              </a:rPr>
+              <a:t>?</a:t>
+            </a:r>
+            <a:r>
+              <a:rPr lang="en-US" sz="1800" dirty="0" err="1">
+                <a:solidFill>
+                  <a:srgbClr val="000000"/>
+                </a:solidFill>
+                <a:effectLst/>
+                <a:latin typeface="Calibri" panose="020F0502020204030204" pitchFamily="34" charset="0"/>
+                <a:ea typeface="Times New Roman" panose="02020603050405020304" pitchFamily="18" charset="0"/>
+                <a:cs typeface="Calibri" panose="020F0502020204030204" pitchFamily="34" charset="0"/>
+                <a:hlinkClick r:id="rId3"/>
+              </a:rPr>
+              <a:t>WT.mc_id</a:t>
+            </a:r>
+            <a:r>
+              <a:rPr lang="en-US" sz="1800" dirty="0">
+                <a:solidFill>
+                  <a:srgbClr val="000000"/>
+                </a:solidFill>
+                <a:effectLst/>
+                <a:latin typeface="Calibri" panose="020F0502020204030204" pitchFamily="34" charset="0"/>
+                <a:ea typeface="Times New Roman" panose="02020603050405020304" pitchFamily="18" charset="0"/>
+                <a:cs typeface="Calibri" panose="020F0502020204030204" pitchFamily="34" charset="0"/>
+                <a:hlinkClick r:id="rId3"/>
+              </a:rPr>
+              <a:t>=DOP-MVP-5003370</a:t>
+            </a:r>
+            <a:endParaRPr lang="fr-FR" dirty="0">
+              <a:solidFill>
+                <a:srgbClr val="000000"/>
+              </a:solidFill>
+              <a:latin typeface="Calibri" panose="020F0502020204030204" pitchFamily="34" charset="0"/>
+              <a:ea typeface="Times New Roman" panose="02020603050405020304" pitchFamily="18" charset="0"/>
+              <a:cs typeface="Times New Roman" panose="02020603050405020304" pitchFamily="18" charset="0"/>
+            </a:endParaRPr>
+          </a:p>
+        </p:txBody>
+      </p:sp>
+      <p:sp>
+        <p:nvSpPr>
+          <p:cNvPr id="4" name="Titre 1">
+            <a:extLst>
+              <a:ext uri="{FF2B5EF4-FFF2-40B4-BE49-F238E27FC236}">
+                <a16:creationId xmlns:a16="http://schemas.microsoft.com/office/drawing/2014/main" id="{9E2EAD80-06B2-42D7-A3D5-3E997821F956}"/>
+              </a:ext>
+            </a:extLst>
+          </p:cNvPr>
+          <p:cNvSpPr>
+            <a:spLocks noGrp="1"/>
+          </p:cNvSpPr>
+          <p:nvPr>
+            <p:ph type="title"/>
+          </p:nvPr>
+        </p:nvSpPr>
+        <p:spPr>
+          <a:xfrm>
+            <a:off x="838200" y="1"/>
+            <a:ext cx="10515600" cy="982493"/>
+          </a:xfrm>
+        </p:spPr>
+        <p:txBody>
+          <a:bodyPr/>
+          <a:lstStyle/>
+          <a:p>
+            <a:r>
+              <a:rPr lang="fr-FR" dirty="0" err="1"/>
+              <a:t>History</a:t>
+            </a:r>
+            <a:endParaRPr lang="fr-FR" dirty="0"/>
+          </a:p>
+        </p:txBody>
+      </p:sp>
+    </p:spTree>
+    <p:extLst>
+      <p:ext uri="{BB962C8B-B14F-4D97-AF65-F5344CB8AC3E}">
+        <p14:creationId xmlns:p14="http://schemas.microsoft.com/office/powerpoint/2010/main" val="1302500491"/>
+      </p:ext>
+    </p:extLst>
+  </p:cSld>
+  <p:clrMapOvr>
+    <a:masterClrMapping/>
+  </p:clrMapOvr>
+</p:sld>
+</file>
+
 <file path=ppt/slides/slide2.xml><?xml version="1.0" encoding="utf-8"?>
 <p:sld xmlns:a="http://schemas.openxmlformats.org/drawingml/2006/main" xmlns:r="http://schemas.openxmlformats.org/officeDocument/2006/relationships" xmlns:p="http://schemas.openxmlformats.org/presentationml/2006/main">
   <p:cSld>

--- a/documentations/Dotnet vs dotnet core.pptx
+++ b/documentations/Dotnet vs dotnet core.pptx
@@ -275,7 +275,7 @@
           <a:p>
             <a:fld id="{69D368ED-5D89-455D-BBC2-27B161925E43}" type="datetimeFigureOut">
               <a:rPr lang="fr-FR" smtClean="0"/>
-              <a:t>17/09/2021</a:t>
+              <a:t>08/09/2022</a:t>
             </a:fld>
             <a:endParaRPr lang="fr-FR"/>
           </a:p>
@@ -473,7 +473,7 @@
           <a:p>
             <a:fld id="{69D368ED-5D89-455D-BBC2-27B161925E43}" type="datetimeFigureOut">
               <a:rPr lang="fr-FR" smtClean="0"/>
-              <a:t>17/09/2021</a:t>
+              <a:t>08/09/2022</a:t>
             </a:fld>
             <a:endParaRPr lang="fr-FR"/>
           </a:p>
@@ -681,7 +681,7 @@
           <a:p>
             <a:fld id="{69D368ED-5D89-455D-BBC2-27B161925E43}" type="datetimeFigureOut">
               <a:rPr lang="fr-FR" smtClean="0"/>
-              <a:t>17/09/2021</a:t>
+              <a:t>08/09/2022</a:t>
             </a:fld>
             <a:endParaRPr lang="fr-FR"/>
           </a:p>
@@ -1010,7 +1010,7 @@
           <a:p>
             <a:fld id="{69D368ED-5D89-455D-BBC2-27B161925E43}" type="datetimeFigureOut">
               <a:rPr lang="fr-FR" smtClean="0"/>
-              <a:t>17/09/2021</a:t>
+              <a:t>08/09/2022</a:t>
             </a:fld>
             <a:endParaRPr lang="fr-FR"/>
           </a:p>
@@ -1285,7 +1285,7 @@
           <a:p>
             <a:fld id="{69D368ED-5D89-455D-BBC2-27B161925E43}" type="datetimeFigureOut">
               <a:rPr lang="fr-FR" smtClean="0"/>
-              <a:t>17/09/2021</a:t>
+              <a:t>08/09/2022</a:t>
             </a:fld>
             <a:endParaRPr lang="fr-FR"/>
           </a:p>
@@ -1550,7 +1550,7 @@
           <a:p>
             <a:fld id="{69D368ED-5D89-455D-BBC2-27B161925E43}" type="datetimeFigureOut">
               <a:rPr lang="fr-FR" smtClean="0"/>
-              <a:t>17/09/2021</a:t>
+              <a:t>08/09/2022</a:t>
             </a:fld>
             <a:endParaRPr lang="fr-FR"/>
           </a:p>
@@ -1962,7 +1962,7 @@
           <a:p>
             <a:fld id="{69D368ED-5D89-455D-BBC2-27B161925E43}" type="datetimeFigureOut">
               <a:rPr lang="fr-FR" smtClean="0"/>
-              <a:t>17/09/2021</a:t>
+              <a:t>08/09/2022</a:t>
             </a:fld>
             <a:endParaRPr lang="fr-FR"/>
           </a:p>
@@ -2103,7 +2103,7 @@
           <a:p>
             <a:fld id="{69D368ED-5D89-455D-BBC2-27B161925E43}" type="datetimeFigureOut">
               <a:rPr lang="fr-FR" smtClean="0"/>
-              <a:t>17/09/2021</a:t>
+              <a:t>08/09/2022</a:t>
             </a:fld>
             <a:endParaRPr lang="fr-FR"/>
           </a:p>
@@ -2216,7 +2216,7 @@
           <a:p>
             <a:fld id="{69D368ED-5D89-455D-BBC2-27B161925E43}" type="datetimeFigureOut">
               <a:rPr lang="fr-FR" smtClean="0"/>
-              <a:t>17/09/2021</a:t>
+              <a:t>08/09/2022</a:t>
             </a:fld>
             <a:endParaRPr lang="fr-FR"/>
           </a:p>
@@ -2527,7 +2527,7 @@
           <a:p>
             <a:fld id="{69D368ED-5D89-455D-BBC2-27B161925E43}" type="datetimeFigureOut">
               <a:rPr lang="fr-FR" smtClean="0"/>
-              <a:t>17/09/2021</a:t>
+              <a:t>08/09/2022</a:t>
             </a:fld>
             <a:endParaRPr lang="fr-FR"/>
           </a:p>
@@ -2815,7 +2815,7 @@
           <a:p>
             <a:fld id="{69D368ED-5D89-455D-BBC2-27B161925E43}" type="datetimeFigureOut">
               <a:rPr lang="fr-FR" smtClean="0"/>
-              <a:t>17/09/2021</a:t>
+              <a:t>08/09/2022</a:t>
             </a:fld>
             <a:endParaRPr lang="fr-FR"/>
           </a:p>
@@ -3056,7 +3056,7 @@
           <a:p>
             <a:fld id="{69D368ED-5D89-455D-BBC2-27B161925E43}" type="datetimeFigureOut">
               <a:rPr lang="fr-FR" smtClean="0"/>
-              <a:t>17/09/2021</a:t>
+              <a:t>08/09/2022</a:t>
             </a:fld>
             <a:endParaRPr lang="fr-FR"/>
           </a:p>
@@ -8336,7 +8336,7 @@
                   <a:schemeClr val="bg1"/>
                 </a:solidFill>
               </a:rPr>
-              <a:t>.NET 6</a:t>
+              <a:t>.NET 7</a:t>
             </a:r>
           </a:p>
         </p:txBody>
@@ -10711,7 +10711,7 @@
                   <a:schemeClr val="bg1"/>
                 </a:solidFill>
               </a:rPr>
-              <a:t>.NET 6</a:t>
+              <a:t>.NET 7</a:t>
             </a:r>
           </a:p>
         </p:txBody>
@@ -10750,7 +10750,7 @@
                 </a:solidFill>
                 <a:latin typeface="Arial" panose="020B0604020202020204" pitchFamily="34" charset="0"/>
               </a:rPr>
-              <a:t>2021</a:t>
+              <a:t>2022</a:t>
             </a:r>
           </a:p>
         </p:txBody>
@@ -11221,7 +11221,7 @@
           </a:ln>
           <a:extLst>
             <a:ext uri="{C572A759-6A51-4108-AA02-DFA0A04FC94B}">
-              <ma14:wrappingTextBoxFlag xmlns:ma14="http://schemas.microsoft.com/office/mac/drawingml/2011/main" xmlns="" val="1"/>
+              <ma14:wrappingTextBoxFlag xmlns="" xmlns:ma14="http://schemas.microsoft.com/office/mac/drawingml/2011/main" val="1"/>
             </a:ext>
           </a:extLst>
         </p:spPr>
